--- a/MIMO/Presentacion1.pptx
+++ b/MIMO/Presentacion1.pptx
@@ -12,8 +12,15 @@
     <p:sldId id="261" r:id="rId6"/>
     <p:sldId id="258" r:id="rId7"/>
     <p:sldId id="267" r:id="rId8"/>
-    <p:sldId id="266" r:id="rId9"/>
-    <p:sldId id="263" r:id="rId10"/>
+    <p:sldId id="268" r:id="rId9"/>
+    <p:sldId id="269" r:id="rId10"/>
+    <p:sldId id="270" r:id="rId11"/>
+    <p:sldId id="271" r:id="rId12"/>
+    <p:sldId id="272" r:id="rId13"/>
+    <p:sldId id="273" r:id="rId14"/>
+    <p:sldId id="274" r:id="rId15"/>
+    <p:sldId id="275" r:id="rId16"/>
+    <p:sldId id="276" r:id="rId17"/>
   </p:sldIdLst>
   <p:sldSz cx="12192000" cy="6858000"/>
   <p:notesSz cx="6858000" cy="9144000"/>
@@ -123,7 +130,7 @@
 <file path=ppt/revisionInfo.xml><?xml version="1.0" encoding="utf-8"?>
 <p1510:revInfo xmlns:a="http://schemas.openxmlformats.org/drawingml/2006/main" xmlns:r="http://schemas.openxmlformats.org/officeDocument/2006/relationships" xmlns:p1510="http://schemas.microsoft.com/office/powerpoint/2015/10/main">
   <p1510:revLst>
-    <p1510:client id="{ED61DCA1-FADB-4A0C-9775-F8BC733857A2}" v="4" dt="2023-04-20T18:31:39.719"/>
+    <p1510:client id="{ED61DCA1-FADB-4A0C-9775-F8BC733857A2}" v="6" dt="2023-05-25T14:06:54.343"/>
   </p1510:revLst>
 </p1510:revInfo>
 </file>
@@ -133,7 +140,7 @@
   <pc:docChgLst>
     <pc:chgData name="Samuel Gonzalez" userId="14b959e4d93e70df" providerId="LiveId" clId="{ED61DCA1-FADB-4A0C-9775-F8BC733857A2}"/>
     <pc:docChg chg="undo custSel addSld delSld modSld">
-      <pc:chgData name="Samuel Gonzalez" userId="14b959e4d93e70df" providerId="LiveId" clId="{ED61DCA1-FADB-4A0C-9775-F8BC733857A2}" dt="2023-04-20T18:48:58.674" v="313" actId="1076"/>
+      <pc:chgData name="Samuel Gonzalez" userId="14b959e4d93e70df" providerId="LiveId" clId="{ED61DCA1-FADB-4A0C-9775-F8BC733857A2}" dt="2023-05-25T14:21:48.065" v="462" actId="20577"/>
       <pc:docMkLst>
         <pc:docMk/>
       </pc:docMkLst>
@@ -419,8 +426,8 @@
           </ac:picMkLst>
         </pc:picChg>
       </pc:sldChg>
-      <pc:sldChg chg="addSp delSp modSp new mod setBg">
-        <pc:chgData name="Samuel Gonzalez" userId="14b959e4d93e70df" providerId="LiveId" clId="{ED61DCA1-FADB-4A0C-9775-F8BC733857A2}" dt="2023-04-20T18:46:05.440" v="301" actId="14100"/>
+      <pc:sldChg chg="addSp delSp modSp new del mod setBg">
+        <pc:chgData name="Samuel Gonzalez" userId="14b959e4d93e70df" providerId="LiveId" clId="{ED61DCA1-FADB-4A0C-9775-F8BC733857A2}" dt="2023-05-25T13:45:45.357" v="330" actId="47"/>
         <pc:sldMkLst>
           <pc:docMk/>
           <pc:sldMk cId="983091637" sldId="263"/>
@@ -498,13 +505,13 @@
         </pc:spChg>
       </pc:sldChg>
       <pc:sldChg chg="addSp delSp modSp new mod setBg">
-        <pc:chgData name="Samuel Gonzalez" userId="14b959e4d93e70df" providerId="LiveId" clId="{ED61DCA1-FADB-4A0C-9775-F8BC733857A2}" dt="2023-04-20T16:38:40.166" v="243" actId="27614"/>
+        <pc:chgData name="Samuel Gonzalez" userId="14b959e4d93e70df" providerId="LiveId" clId="{ED61DCA1-FADB-4A0C-9775-F8BC733857A2}" dt="2023-05-25T13:16:04.407" v="316" actId="27636"/>
         <pc:sldMkLst>
           <pc:docMk/>
           <pc:sldMk cId="29543248" sldId="264"/>
         </pc:sldMkLst>
         <pc:spChg chg="mod">
-          <ac:chgData name="Samuel Gonzalez" userId="14b959e4d93e70df" providerId="LiveId" clId="{ED61DCA1-FADB-4A0C-9775-F8BC733857A2}" dt="2023-04-20T16:38:35.993" v="242" actId="26606"/>
+          <ac:chgData name="Samuel Gonzalez" userId="14b959e4d93e70df" providerId="LiveId" clId="{ED61DCA1-FADB-4A0C-9775-F8BC733857A2}" dt="2023-05-25T13:16:04.407" v="316" actId="27636"/>
           <ac:spMkLst>
             <pc:docMk/>
             <pc:sldMk cId="29543248" sldId="264"/>
@@ -639,8 +646,8 @@
           </ac:picMkLst>
         </pc:picChg>
       </pc:sldChg>
-      <pc:sldChg chg="addSp delSp modSp new mod setBg">
-        <pc:chgData name="Samuel Gonzalez" userId="14b959e4d93e70df" providerId="LiveId" clId="{ED61DCA1-FADB-4A0C-9775-F8BC733857A2}" dt="2023-04-20T18:47:04.376" v="306" actId="14100"/>
+      <pc:sldChg chg="addSp delSp modSp new del mod setBg">
+        <pc:chgData name="Samuel Gonzalez" userId="14b959e4d93e70df" providerId="LiveId" clId="{ED61DCA1-FADB-4A0C-9775-F8BC733857A2}" dt="2023-05-25T13:45:43.459" v="329" actId="47"/>
         <pc:sldMkLst>
           <pc:docMk/>
           <pc:sldMk cId="3838669698" sldId="266"/>
@@ -695,7 +702,7 @@
         </pc:cxnChg>
       </pc:sldChg>
       <pc:sldChg chg="addSp delSp modSp new mod">
-        <pc:chgData name="Samuel Gonzalez" userId="14b959e4d93e70df" providerId="LiveId" clId="{ED61DCA1-FADB-4A0C-9775-F8BC733857A2}" dt="2023-04-20T18:31:51.293" v="294" actId="1076"/>
+        <pc:chgData name="Samuel Gonzalez" userId="14b959e4d93e70df" providerId="LiveId" clId="{ED61DCA1-FADB-4A0C-9775-F8BC733857A2}" dt="2023-05-25T13:50:22.024" v="366" actId="1076"/>
         <pc:sldMkLst>
           <pc:docMk/>
           <pc:sldMk cId="492187369" sldId="267"/>
@@ -717,7 +724,7 @@
           </ac:spMkLst>
         </pc:spChg>
         <pc:spChg chg="add mod">
-          <ac:chgData name="Samuel Gonzalez" userId="14b959e4d93e70df" providerId="LiveId" clId="{ED61DCA1-FADB-4A0C-9775-F8BC733857A2}" dt="2023-04-20T18:31:45.348" v="291" actId="20577"/>
+          <ac:chgData name="Samuel Gonzalez" userId="14b959e4d93e70df" providerId="LiveId" clId="{ED61DCA1-FADB-4A0C-9775-F8BC733857A2}" dt="2023-05-25T13:48:27.220" v="362" actId="1076"/>
           <ac:spMkLst>
             <pc:docMk/>
             <pc:sldMk cId="492187369" sldId="267"/>
@@ -725,7 +732,15 @@
           </ac:spMkLst>
         </pc:spChg>
         <pc:picChg chg="add mod">
-          <ac:chgData name="Samuel Gonzalez" userId="14b959e4d93e70df" providerId="LiveId" clId="{ED61DCA1-FADB-4A0C-9775-F8BC733857A2}" dt="2023-04-20T18:31:49.463" v="293" actId="1076"/>
+          <ac:chgData name="Samuel Gonzalez" userId="14b959e4d93e70df" providerId="LiveId" clId="{ED61DCA1-FADB-4A0C-9775-F8BC733857A2}" dt="2023-05-25T13:48:32.866" v="364" actId="1076"/>
+          <ac:picMkLst>
+            <pc:docMk/>
+            <pc:sldMk cId="492187369" sldId="267"/>
+            <ac:picMk id="3" creationId="{8460BF0A-C771-7C22-67CB-16A61F22F8A2}"/>
+          </ac:picMkLst>
+        </pc:picChg>
+        <pc:picChg chg="add del mod">
+          <ac:chgData name="Samuel Gonzalez" userId="14b959e4d93e70df" providerId="LiveId" clId="{ED61DCA1-FADB-4A0C-9775-F8BC733857A2}" dt="2023-05-25T13:44:09.581" v="318" actId="478"/>
           <ac:picMkLst>
             <pc:docMk/>
             <pc:sldMk cId="492187369" sldId="267"/>
@@ -733,13 +748,644 @@
           </ac:picMkLst>
         </pc:picChg>
         <pc:picChg chg="add mod">
-          <ac:chgData name="Samuel Gonzalez" userId="14b959e4d93e70df" providerId="LiveId" clId="{ED61DCA1-FADB-4A0C-9775-F8BC733857A2}" dt="2023-04-20T18:31:51.293" v="294" actId="1076"/>
+          <ac:chgData name="Samuel Gonzalez" userId="14b959e4d93e70df" providerId="LiveId" clId="{ED61DCA1-FADB-4A0C-9775-F8BC733857A2}" dt="2023-05-25T13:48:31.009" v="363" actId="1076"/>
+          <ac:picMkLst>
+            <pc:docMk/>
+            <pc:sldMk cId="492187369" sldId="267"/>
+            <ac:picMk id="6" creationId="{78C979F5-2BCF-FFEA-E6A2-937ACC7EC766}"/>
+          </ac:picMkLst>
+        </pc:picChg>
+        <pc:picChg chg="add del mod">
+          <ac:chgData name="Samuel Gonzalez" userId="14b959e4d93e70df" providerId="LiveId" clId="{ED61DCA1-FADB-4A0C-9775-F8BC733857A2}" dt="2023-05-25T13:44:08.095" v="317" actId="478"/>
           <ac:picMkLst>
             <pc:docMk/>
             <pc:sldMk cId="492187369" sldId="267"/>
             <ac:picMk id="7" creationId="{32FCB43E-14C5-AC2E-E272-129787EF6896}"/>
           </ac:picMkLst>
         </pc:picChg>
+        <pc:picChg chg="add mod">
+          <ac:chgData name="Samuel Gonzalez" userId="14b959e4d93e70df" providerId="LiveId" clId="{ED61DCA1-FADB-4A0C-9775-F8BC733857A2}" dt="2023-05-25T13:50:22.024" v="366" actId="1076"/>
+          <ac:picMkLst>
+            <pc:docMk/>
+            <pc:sldMk cId="492187369" sldId="267"/>
+            <ac:picMk id="10" creationId="{41F2AF3E-2974-1AC0-F6E4-0CB132308C52}"/>
+          </ac:picMkLst>
+        </pc:picChg>
+      </pc:sldChg>
+      <pc:sldChg chg="addSp delSp modSp new mod setBg">
+        <pc:chgData name="Samuel Gonzalez" userId="14b959e4d93e70df" providerId="LiveId" clId="{ED61DCA1-FADB-4A0C-9775-F8BC733857A2}" dt="2023-05-25T13:46:50.602" v="353" actId="26606"/>
+        <pc:sldMkLst>
+          <pc:docMk/>
+          <pc:sldMk cId="1471680054" sldId="268"/>
+        </pc:sldMkLst>
+        <pc:spChg chg="del">
+          <ac:chgData name="Samuel Gonzalez" userId="14b959e4d93e70df" providerId="LiveId" clId="{ED61DCA1-FADB-4A0C-9775-F8BC733857A2}" dt="2023-05-25T13:46:20.167" v="333" actId="478"/>
+          <ac:spMkLst>
+            <pc:docMk/>
+            <pc:sldMk cId="1471680054" sldId="268"/>
+            <ac:spMk id="2" creationId="{CDD71087-8C6F-6B4C-D1DA-C9DBBE389577}"/>
+          </ac:spMkLst>
+        </pc:spChg>
+        <pc:spChg chg="del">
+          <ac:chgData name="Samuel Gonzalez" userId="14b959e4d93e70df" providerId="LiveId" clId="{ED61DCA1-FADB-4A0C-9775-F8BC733857A2}" dt="2023-05-25T13:46:18.260" v="332" actId="478"/>
+          <ac:spMkLst>
+            <pc:docMk/>
+            <pc:sldMk cId="1471680054" sldId="268"/>
+            <ac:spMk id="3" creationId="{31DCA982-548F-A30A-FBE2-3E688D603D7D}"/>
+          </ac:spMkLst>
+        </pc:spChg>
+        <pc:spChg chg="add del">
+          <ac:chgData name="Samuel Gonzalez" userId="14b959e4d93e70df" providerId="LiveId" clId="{ED61DCA1-FADB-4A0C-9775-F8BC733857A2}" dt="2023-05-25T13:46:25.669" v="336" actId="26606"/>
+          <ac:spMkLst>
+            <pc:docMk/>
+            <pc:sldMk cId="1471680054" sldId="268"/>
+            <ac:spMk id="10" creationId="{FD57F13B-6973-4CE9-92F3-5EC476ED97B5}"/>
+          </ac:spMkLst>
+        </pc:spChg>
+        <pc:spChg chg="add del">
+          <ac:chgData name="Samuel Gonzalez" userId="14b959e4d93e70df" providerId="LiveId" clId="{ED61DCA1-FADB-4A0C-9775-F8BC733857A2}" dt="2023-05-25T13:46:30.341" v="338" actId="26606"/>
+          <ac:spMkLst>
+            <pc:docMk/>
+            <pc:sldMk cId="1471680054" sldId="268"/>
+            <ac:spMk id="12" creationId="{FD57F13B-6973-4CE9-92F3-5EC476ED97B5}"/>
+          </ac:spMkLst>
+        </pc:spChg>
+        <pc:spChg chg="add del">
+          <ac:chgData name="Samuel Gonzalez" userId="14b959e4d93e70df" providerId="LiveId" clId="{ED61DCA1-FADB-4A0C-9775-F8BC733857A2}" dt="2023-05-25T13:46:31.647" v="340" actId="26606"/>
+          <ac:spMkLst>
+            <pc:docMk/>
+            <pc:sldMk cId="1471680054" sldId="268"/>
+            <ac:spMk id="14" creationId="{FD57F13B-6973-4CE9-92F3-5EC476ED97B5}"/>
+          </ac:spMkLst>
+        </pc:spChg>
+        <pc:spChg chg="add del">
+          <ac:chgData name="Samuel Gonzalez" userId="14b959e4d93e70df" providerId="LiveId" clId="{ED61DCA1-FADB-4A0C-9775-F8BC733857A2}" dt="2023-05-25T13:46:38.286" v="342" actId="26606"/>
+          <ac:spMkLst>
+            <pc:docMk/>
+            <pc:sldMk cId="1471680054" sldId="268"/>
+            <ac:spMk id="17" creationId="{FD57F13B-6973-4CE9-92F3-5EC476ED97B5}"/>
+          </ac:spMkLst>
+        </pc:spChg>
+        <pc:spChg chg="add del">
+          <ac:chgData name="Samuel Gonzalez" userId="14b959e4d93e70df" providerId="LiveId" clId="{ED61DCA1-FADB-4A0C-9775-F8BC733857A2}" dt="2023-05-25T13:46:41.974" v="344" actId="26606"/>
+          <ac:spMkLst>
+            <pc:docMk/>
+            <pc:sldMk cId="1471680054" sldId="268"/>
+            <ac:spMk id="20" creationId="{FD57F13B-6973-4CE9-92F3-5EC476ED97B5}"/>
+          </ac:spMkLst>
+        </pc:spChg>
+        <pc:spChg chg="add del">
+          <ac:chgData name="Samuel Gonzalez" userId="14b959e4d93e70df" providerId="LiveId" clId="{ED61DCA1-FADB-4A0C-9775-F8BC733857A2}" dt="2023-05-25T13:46:41.974" v="344" actId="26606"/>
+          <ac:spMkLst>
+            <pc:docMk/>
+            <pc:sldMk cId="1471680054" sldId="268"/>
+            <ac:spMk id="21" creationId="{F26684C2-6A38-439A-B608-64C3C746A43F}"/>
+          </ac:spMkLst>
+        </pc:spChg>
+        <pc:spChg chg="add del">
+          <ac:chgData name="Samuel Gonzalez" userId="14b959e4d93e70df" providerId="LiveId" clId="{ED61DCA1-FADB-4A0C-9775-F8BC733857A2}" dt="2023-05-25T13:46:43.197" v="346" actId="26606"/>
+          <ac:spMkLst>
+            <pc:docMk/>
+            <pc:sldMk cId="1471680054" sldId="268"/>
+            <ac:spMk id="23" creationId="{FD57F13B-6973-4CE9-92F3-5EC476ED97B5}"/>
+          </ac:spMkLst>
+        </pc:spChg>
+        <pc:spChg chg="add del">
+          <ac:chgData name="Samuel Gonzalez" userId="14b959e4d93e70df" providerId="LiveId" clId="{ED61DCA1-FADB-4A0C-9775-F8BC733857A2}" dt="2023-05-25T13:46:43.197" v="346" actId="26606"/>
+          <ac:spMkLst>
+            <pc:docMk/>
+            <pc:sldMk cId="1471680054" sldId="268"/>
+            <ac:spMk id="24" creationId="{968B5335-D5FF-4145-97AC-3783A0DE47FD}"/>
+          </ac:spMkLst>
+        </pc:spChg>
+        <pc:spChg chg="add del">
+          <ac:chgData name="Samuel Gonzalez" userId="14b959e4d93e70df" providerId="LiveId" clId="{ED61DCA1-FADB-4A0C-9775-F8BC733857A2}" dt="2023-05-25T13:46:43.197" v="346" actId="26606"/>
+          <ac:spMkLst>
+            <pc:docMk/>
+            <pc:sldMk cId="1471680054" sldId="268"/>
+            <ac:spMk id="25" creationId="{0C1D0562-B987-4741-985E-3AADE1075E66}"/>
+          </ac:spMkLst>
+        </pc:spChg>
+        <pc:spChg chg="add del">
+          <ac:chgData name="Samuel Gonzalez" userId="14b959e4d93e70df" providerId="LiveId" clId="{ED61DCA1-FADB-4A0C-9775-F8BC733857A2}" dt="2023-05-25T13:46:44.462" v="348" actId="26606"/>
+          <ac:spMkLst>
+            <pc:docMk/>
+            <pc:sldMk cId="1471680054" sldId="268"/>
+            <ac:spMk id="27" creationId="{FD57F13B-6973-4CE9-92F3-5EC476ED97B5}"/>
+          </ac:spMkLst>
+        </pc:spChg>
+        <pc:spChg chg="add del">
+          <ac:chgData name="Samuel Gonzalez" userId="14b959e4d93e70df" providerId="LiveId" clId="{ED61DCA1-FADB-4A0C-9775-F8BC733857A2}" dt="2023-05-25T13:46:44.462" v="348" actId="26606"/>
+          <ac:spMkLst>
+            <pc:docMk/>
+            <pc:sldMk cId="1471680054" sldId="268"/>
+            <ac:spMk id="28" creationId="{62426CAE-B134-4AF2-8E92-6ADBFCBE287D}"/>
+          </ac:spMkLst>
+        </pc:spChg>
+        <pc:spChg chg="add del">
+          <ac:chgData name="Samuel Gonzalez" userId="14b959e4d93e70df" providerId="LiveId" clId="{ED61DCA1-FADB-4A0C-9775-F8BC733857A2}" dt="2023-05-25T13:46:46.198" v="350" actId="26606"/>
+          <ac:spMkLst>
+            <pc:docMk/>
+            <pc:sldMk cId="1471680054" sldId="268"/>
+            <ac:spMk id="30" creationId="{FD57F13B-6973-4CE9-92F3-5EC476ED97B5}"/>
+          </ac:spMkLst>
+        </pc:spChg>
+        <pc:spChg chg="add del">
+          <ac:chgData name="Samuel Gonzalez" userId="14b959e4d93e70df" providerId="LiveId" clId="{ED61DCA1-FADB-4A0C-9775-F8BC733857A2}" dt="2023-05-25T13:46:46.198" v="350" actId="26606"/>
+          <ac:spMkLst>
+            <pc:docMk/>
+            <pc:sldMk cId="1471680054" sldId="268"/>
+            <ac:spMk id="31" creationId="{968B5335-D5FF-4145-97AC-3783A0DE47FD}"/>
+          </ac:spMkLst>
+        </pc:spChg>
+        <pc:spChg chg="add del">
+          <ac:chgData name="Samuel Gonzalez" userId="14b959e4d93e70df" providerId="LiveId" clId="{ED61DCA1-FADB-4A0C-9775-F8BC733857A2}" dt="2023-05-25T13:46:46.198" v="350" actId="26606"/>
+          <ac:spMkLst>
+            <pc:docMk/>
+            <pc:sldMk cId="1471680054" sldId="268"/>
+            <ac:spMk id="32" creationId="{0C1D0562-B987-4741-985E-3AADE1075E66}"/>
+          </ac:spMkLst>
+        </pc:spChg>
+        <pc:spChg chg="add del">
+          <ac:chgData name="Samuel Gonzalez" userId="14b959e4d93e70df" providerId="LiveId" clId="{ED61DCA1-FADB-4A0C-9775-F8BC733857A2}" dt="2023-05-25T13:46:50.602" v="353" actId="26606"/>
+          <ac:spMkLst>
+            <pc:docMk/>
+            <pc:sldMk cId="1471680054" sldId="268"/>
+            <ac:spMk id="34" creationId="{FD57F13B-6973-4CE9-92F3-5EC476ED97B5}"/>
+          </ac:spMkLst>
+        </pc:spChg>
+        <pc:picChg chg="add mod">
+          <ac:chgData name="Samuel Gonzalez" userId="14b959e4d93e70df" providerId="LiveId" clId="{ED61DCA1-FADB-4A0C-9775-F8BC733857A2}" dt="2023-05-25T13:46:50.602" v="353" actId="26606"/>
+          <ac:picMkLst>
+            <pc:docMk/>
+            <pc:sldMk cId="1471680054" sldId="268"/>
+            <ac:picMk id="5" creationId="{3B7D9389-A830-9E6F-BDA8-2603F40E8A67}"/>
+          </ac:picMkLst>
+        </pc:picChg>
+        <pc:cxnChg chg="add del">
+          <ac:chgData name="Samuel Gonzalez" userId="14b959e4d93e70df" providerId="LiveId" clId="{ED61DCA1-FADB-4A0C-9775-F8BC733857A2}" dt="2023-05-25T13:46:31.647" v="340" actId="26606"/>
+          <ac:cxnSpMkLst>
+            <pc:docMk/>
+            <pc:sldMk cId="1471680054" sldId="268"/>
+            <ac:cxnSpMk id="15" creationId="{8EBABBB3-9834-451A-9C3E-59630549FC79}"/>
+          </ac:cxnSpMkLst>
+        </pc:cxnChg>
+        <pc:cxnChg chg="add del">
+          <ac:chgData name="Samuel Gonzalez" userId="14b959e4d93e70df" providerId="LiveId" clId="{ED61DCA1-FADB-4A0C-9775-F8BC733857A2}" dt="2023-05-25T13:46:38.286" v="342" actId="26606"/>
+          <ac:cxnSpMkLst>
+            <pc:docMk/>
+            <pc:sldMk cId="1471680054" sldId="268"/>
+            <ac:cxnSpMk id="18" creationId="{8EBABBB3-9834-451A-9C3E-59630549FC79}"/>
+          </ac:cxnSpMkLst>
+        </pc:cxnChg>
+      </pc:sldChg>
+      <pc:sldChg chg="addSp delSp modSp new mod">
+        <pc:chgData name="Samuel Gonzalez" userId="14b959e4d93e70df" providerId="LiveId" clId="{ED61DCA1-FADB-4A0C-9775-F8BC733857A2}" dt="2023-05-25T13:51:32.474" v="371" actId="1076"/>
+        <pc:sldMkLst>
+          <pc:docMk/>
+          <pc:sldMk cId="3698781348" sldId="269"/>
+        </pc:sldMkLst>
+        <pc:spChg chg="mod">
+          <ac:chgData name="Samuel Gonzalez" userId="14b959e4d93e70df" providerId="LiveId" clId="{ED61DCA1-FADB-4A0C-9775-F8BC733857A2}" dt="2023-05-25T13:50:40.006" v="368" actId="1076"/>
+          <ac:spMkLst>
+            <pc:docMk/>
+            <pc:sldMk cId="3698781348" sldId="269"/>
+            <ac:spMk id="2" creationId="{6D147CC6-02A4-1D6B-72D2-78FE8FEE5A27}"/>
+          </ac:spMkLst>
+        </pc:spChg>
+        <pc:spChg chg="del">
+          <ac:chgData name="Samuel Gonzalez" userId="14b959e4d93e70df" providerId="LiveId" clId="{ED61DCA1-FADB-4A0C-9775-F8BC733857A2}" dt="2023-05-25T13:47:03.937" v="358" actId="478"/>
+          <ac:spMkLst>
+            <pc:docMk/>
+            <pc:sldMk cId="3698781348" sldId="269"/>
+            <ac:spMk id="3" creationId="{9A0884F9-2555-936F-DC7C-C057F1AF3A6D}"/>
+          </ac:spMkLst>
+        </pc:spChg>
+        <pc:picChg chg="add mod">
+          <ac:chgData name="Samuel Gonzalez" userId="14b959e4d93e70df" providerId="LiveId" clId="{ED61DCA1-FADB-4A0C-9775-F8BC733857A2}" dt="2023-05-25T13:50:42.225" v="369" actId="1076"/>
+          <ac:picMkLst>
+            <pc:docMk/>
+            <pc:sldMk cId="3698781348" sldId="269"/>
+            <ac:picMk id="5" creationId="{64ECFD3F-84BF-E347-11F3-ED85A51E9BD1}"/>
+          </ac:picMkLst>
+        </pc:picChg>
+        <pc:picChg chg="add mod">
+          <ac:chgData name="Samuel Gonzalez" userId="14b959e4d93e70df" providerId="LiveId" clId="{ED61DCA1-FADB-4A0C-9775-F8BC733857A2}" dt="2023-05-25T13:51:32.474" v="371" actId="1076"/>
+          <ac:picMkLst>
+            <pc:docMk/>
+            <pc:sldMk cId="3698781348" sldId="269"/>
+            <ac:picMk id="7" creationId="{BCCA3A1D-1DE9-924D-DAE5-CFFDC0EB106B}"/>
+          </ac:picMkLst>
+        </pc:picChg>
+      </pc:sldChg>
+      <pc:sldChg chg="addSp delSp new mod">
+        <pc:chgData name="Samuel Gonzalez" userId="14b959e4d93e70df" providerId="LiveId" clId="{ED61DCA1-FADB-4A0C-9775-F8BC733857A2}" dt="2023-05-25T13:52:05.950" v="375" actId="22"/>
+        <pc:sldMkLst>
+          <pc:docMk/>
+          <pc:sldMk cId="2658159423" sldId="270"/>
+        </pc:sldMkLst>
+        <pc:spChg chg="del">
+          <ac:chgData name="Samuel Gonzalez" userId="14b959e4d93e70df" providerId="LiveId" clId="{ED61DCA1-FADB-4A0C-9775-F8BC733857A2}" dt="2023-05-25T13:52:05.481" v="374" actId="478"/>
+          <ac:spMkLst>
+            <pc:docMk/>
+            <pc:sldMk cId="2658159423" sldId="270"/>
+            <ac:spMk id="2" creationId="{29FD794B-BBD7-1893-3FAA-DCB79C4CEA65}"/>
+          </ac:spMkLst>
+        </pc:spChg>
+        <pc:spChg chg="del">
+          <ac:chgData name="Samuel Gonzalez" userId="14b959e4d93e70df" providerId="LiveId" clId="{ED61DCA1-FADB-4A0C-9775-F8BC733857A2}" dt="2023-05-25T13:52:03.645" v="373" actId="478"/>
+          <ac:spMkLst>
+            <pc:docMk/>
+            <pc:sldMk cId="2658159423" sldId="270"/>
+            <ac:spMk id="3" creationId="{D392CCCE-E2D8-656A-ECE2-213C41349DE5}"/>
+          </ac:spMkLst>
+        </pc:spChg>
+        <pc:picChg chg="add">
+          <ac:chgData name="Samuel Gonzalez" userId="14b959e4d93e70df" providerId="LiveId" clId="{ED61DCA1-FADB-4A0C-9775-F8BC733857A2}" dt="2023-05-25T13:52:05.950" v="375" actId="22"/>
+          <ac:picMkLst>
+            <pc:docMk/>
+            <pc:sldMk cId="2658159423" sldId="270"/>
+            <ac:picMk id="5" creationId="{BF059B3F-104D-E7DB-31BE-C669707FD96B}"/>
+          </ac:picMkLst>
+        </pc:picChg>
+      </pc:sldChg>
+      <pc:sldChg chg="addSp delSp modSp new mod setBg">
+        <pc:chgData name="Samuel Gonzalez" userId="14b959e4d93e70df" providerId="LiveId" clId="{ED61DCA1-FADB-4A0C-9775-F8BC733857A2}" dt="2023-05-25T13:56:02.992" v="382" actId="26606"/>
+        <pc:sldMkLst>
+          <pc:docMk/>
+          <pc:sldMk cId="700557501" sldId="271"/>
+        </pc:sldMkLst>
+        <pc:spChg chg="del">
+          <ac:chgData name="Samuel Gonzalez" userId="14b959e4d93e70df" providerId="LiveId" clId="{ED61DCA1-FADB-4A0C-9775-F8BC733857A2}" dt="2023-05-25T13:55:54.769" v="378" actId="478"/>
+          <ac:spMkLst>
+            <pc:docMk/>
+            <pc:sldMk cId="700557501" sldId="271"/>
+            <ac:spMk id="2" creationId="{70599CB8-B0C3-C805-CB1C-36860220A837}"/>
+          </ac:spMkLst>
+        </pc:spChg>
+        <pc:spChg chg="del">
+          <ac:chgData name="Samuel Gonzalez" userId="14b959e4d93e70df" providerId="LiveId" clId="{ED61DCA1-FADB-4A0C-9775-F8BC733857A2}" dt="2023-05-25T13:55:52.988" v="377" actId="478"/>
+          <ac:spMkLst>
+            <pc:docMk/>
+            <pc:sldMk cId="700557501" sldId="271"/>
+            <ac:spMk id="3" creationId="{21A8F0D5-B7FA-0F18-53E7-7798FF34260F}"/>
+          </ac:spMkLst>
+        </pc:spChg>
+        <pc:spChg chg="add">
+          <ac:chgData name="Samuel Gonzalez" userId="14b959e4d93e70df" providerId="LiveId" clId="{ED61DCA1-FADB-4A0C-9775-F8BC733857A2}" dt="2023-05-25T13:56:02.992" v="382" actId="26606"/>
+          <ac:spMkLst>
+            <pc:docMk/>
+            <pc:sldMk cId="700557501" sldId="271"/>
+            <ac:spMk id="10" creationId="{FD57F13B-6973-4CE9-92F3-5EC476ED97B5}"/>
+          </ac:spMkLst>
+        </pc:spChg>
+        <pc:picChg chg="add mod">
+          <ac:chgData name="Samuel Gonzalez" userId="14b959e4d93e70df" providerId="LiveId" clId="{ED61DCA1-FADB-4A0C-9775-F8BC733857A2}" dt="2023-05-25T13:56:02.992" v="382" actId="26606"/>
+          <ac:picMkLst>
+            <pc:docMk/>
+            <pc:sldMk cId="700557501" sldId="271"/>
+            <ac:picMk id="5" creationId="{89663F84-BC85-C188-CE59-B436C607867C}"/>
+          </ac:picMkLst>
+        </pc:picChg>
+        <pc:cxnChg chg="add">
+          <ac:chgData name="Samuel Gonzalez" userId="14b959e4d93e70df" providerId="LiveId" clId="{ED61DCA1-FADB-4A0C-9775-F8BC733857A2}" dt="2023-05-25T13:56:02.992" v="382" actId="26606"/>
+          <ac:cxnSpMkLst>
+            <pc:docMk/>
+            <pc:sldMk cId="700557501" sldId="271"/>
+            <ac:cxnSpMk id="12" creationId="{8EBABBB3-9834-451A-9C3E-59630549FC79}"/>
+          </ac:cxnSpMkLst>
+        </pc:cxnChg>
+      </pc:sldChg>
+      <pc:sldChg chg="addSp delSp modSp new mod setBg addAnim delAnim">
+        <pc:chgData name="Samuel Gonzalez" userId="14b959e4d93e70df" providerId="LiveId" clId="{ED61DCA1-FADB-4A0C-9775-F8BC733857A2}" dt="2023-05-25T13:57:22.013" v="409" actId="1076"/>
+        <pc:sldMkLst>
+          <pc:docMk/>
+          <pc:sldMk cId="960055738" sldId="272"/>
+        </pc:sldMkLst>
+        <pc:spChg chg="mod ord">
+          <ac:chgData name="Samuel Gonzalez" userId="14b959e4d93e70df" providerId="LiveId" clId="{ED61DCA1-FADB-4A0C-9775-F8BC733857A2}" dt="2023-05-25T13:57:14.921" v="406" actId="1076"/>
+          <ac:spMkLst>
+            <pc:docMk/>
+            <pc:sldMk cId="960055738" sldId="272"/>
+            <ac:spMk id="2" creationId="{774AF3D5-5DCF-2D93-A2C3-FACAF8A08A89}"/>
+          </ac:spMkLst>
+        </pc:spChg>
+        <pc:spChg chg="del">
+          <ac:chgData name="Samuel Gonzalez" userId="14b959e4d93e70df" providerId="LiveId" clId="{ED61DCA1-FADB-4A0C-9775-F8BC733857A2}" dt="2023-05-25T13:56:41.103" v="392" actId="478"/>
+          <ac:spMkLst>
+            <pc:docMk/>
+            <pc:sldMk cId="960055738" sldId="272"/>
+            <ac:spMk id="3" creationId="{FFAD3E45-73CC-BD92-D7C4-4B66F883B9B0}"/>
+          </ac:spMkLst>
+        </pc:spChg>
+        <pc:spChg chg="add del">
+          <ac:chgData name="Samuel Gonzalez" userId="14b959e4d93e70df" providerId="LiveId" clId="{ED61DCA1-FADB-4A0C-9775-F8BC733857A2}" dt="2023-05-25T13:56:51.271" v="396" actId="26606"/>
+          <ac:spMkLst>
+            <pc:docMk/>
+            <pc:sldMk cId="960055738" sldId="272"/>
+            <ac:spMk id="10" creationId="{5CD60141-EEBD-4EC1-8E34-0344C16A18A2}"/>
+          </ac:spMkLst>
+        </pc:spChg>
+        <pc:spChg chg="add del">
+          <ac:chgData name="Samuel Gonzalez" userId="14b959e4d93e70df" providerId="LiveId" clId="{ED61DCA1-FADB-4A0C-9775-F8BC733857A2}" dt="2023-05-25T13:56:51.271" v="396" actId="26606"/>
+          <ac:spMkLst>
+            <pc:docMk/>
+            <pc:sldMk cId="960055738" sldId="272"/>
+            <ac:spMk id="14" creationId="{6BF1DCD9-4684-4B84-AD73-6652C8BAC73F}"/>
+          </ac:spMkLst>
+        </pc:spChg>
+        <pc:spChg chg="add del">
+          <ac:chgData name="Samuel Gonzalez" userId="14b959e4d93e70df" providerId="LiveId" clId="{ED61DCA1-FADB-4A0C-9775-F8BC733857A2}" dt="2023-05-25T13:56:51.271" v="396" actId="26606"/>
+          <ac:spMkLst>
+            <pc:docMk/>
+            <pc:sldMk cId="960055738" sldId="272"/>
+            <ac:spMk id="16" creationId="{4BE6A732-8124-4A59-8EC9-BF4A1648A00C}"/>
+          </ac:spMkLst>
+        </pc:spChg>
+        <pc:spChg chg="add del">
+          <ac:chgData name="Samuel Gonzalez" userId="14b959e4d93e70df" providerId="LiveId" clId="{ED61DCA1-FADB-4A0C-9775-F8BC733857A2}" dt="2023-05-25T13:56:54.250" v="398" actId="26606"/>
+          <ac:spMkLst>
+            <pc:docMk/>
+            <pc:sldMk cId="960055738" sldId="272"/>
+            <ac:spMk id="20" creationId="{5CD60141-EEBD-4EC1-8E34-0344C16A18A2}"/>
+          </ac:spMkLst>
+        </pc:spChg>
+        <pc:spChg chg="add del">
+          <ac:chgData name="Samuel Gonzalez" userId="14b959e4d93e70df" providerId="LiveId" clId="{ED61DCA1-FADB-4A0C-9775-F8BC733857A2}" dt="2023-05-25T13:56:54.250" v="398" actId="26606"/>
+          <ac:spMkLst>
+            <pc:docMk/>
+            <pc:sldMk cId="960055738" sldId="272"/>
+            <ac:spMk id="22" creationId="{6D1F4DC3-EDAB-401A-BD21-33D25AB5FD4B}"/>
+          </ac:spMkLst>
+        </pc:spChg>
+        <pc:spChg chg="add del">
+          <ac:chgData name="Samuel Gonzalez" userId="14b959e4d93e70df" providerId="LiveId" clId="{ED61DCA1-FADB-4A0C-9775-F8BC733857A2}" dt="2023-05-25T13:56:54.250" v="398" actId="26606"/>
+          <ac:spMkLst>
+            <pc:docMk/>
+            <pc:sldMk cId="960055738" sldId="272"/>
+            <ac:spMk id="23" creationId="{E9C7EB16-0EC8-4488-ACB2-C24CF90E5624}"/>
+          </ac:spMkLst>
+        </pc:spChg>
+        <pc:spChg chg="add del">
+          <ac:chgData name="Samuel Gonzalez" userId="14b959e4d93e70df" providerId="LiveId" clId="{ED61DCA1-FADB-4A0C-9775-F8BC733857A2}" dt="2023-05-25T13:56:54.250" v="398" actId="26606"/>
+          <ac:spMkLst>
+            <pc:docMk/>
+            <pc:sldMk cId="960055738" sldId="272"/>
+            <ac:spMk id="24" creationId="{C3C4CE1C-C768-4656-8941-CE322DBE716F}"/>
+          </ac:spMkLst>
+        </pc:spChg>
+        <pc:spChg chg="add del">
+          <ac:chgData name="Samuel Gonzalez" userId="14b959e4d93e70df" providerId="LiveId" clId="{ED61DCA1-FADB-4A0C-9775-F8BC733857A2}" dt="2023-05-25T13:56:57.096" v="400" actId="26606"/>
+          <ac:spMkLst>
+            <pc:docMk/>
+            <pc:sldMk cId="960055738" sldId="272"/>
+            <ac:spMk id="26" creationId="{5CD60141-EEBD-4EC1-8E34-0344C16A18A2}"/>
+          </ac:spMkLst>
+        </pc:spChg>
+        <pc:spChg chg="add del">
+          <ac:chgData name="Samuel Gonzalez" userId="14b959e4d93e70df" providerId="LiveId" clId="{ED61DCA1-FADB-4A0C-9775-F8BC733857A2}" dt="2023-05-25T13:56:57.096" v="400" actId="26606"/>
+          <ac:spMkLst>
+            <pc:docMk/>
+            <pc:sldMk cId="960055738" sldId="272"/>
+            <ac:spMk id="28" creationId="{4E5B79A0-69AD-4CBD-897F-32C7A2BA2FBB}"/>
+          </ac:spMkLst>
+        </pc:spChg>
+        <pc:spChg chg="add del">
+          <ac:chgData name="Samuel Gonzalez" userId="14b959e4d93e70df" providerId="LiveId" clId="{ED61DCA1-FADB-4A0C-9775-F8BC733857A2}" dt="2023-05-25T13:56:57.096" v="400" actId="26606"/>
+          <ac:spMkLst>
+            <pc:docMk/>
+            <pc:sldMk cId="960055738" sldId="272"/>
+            <ac:spMk id="29" creationId="{7C2F33EB-E7CB-4EE9-BBBF-D632F5C00EAE}"/>
+          </ac:spMkLst>
+        </pc:spChg>
+        <pc:spChg chg="add del">
+          <ac:chgData name="Samuel Gonzalez" userId="14b959e4d93e70df" providerId="LiveId" clId="{ED61DCA1-FADB-4A0C-9775-F8BC733857A2}" dt="2023-05-25T13:56:57.096" v="400" actId="26606"/>
+          <ac:spMkLst>
+            <pc:docMk/>
+            <pc:sldMk cId="960055738" sldId="272"/>
+            <ac:spMk id="30" creationId="{D5D12016-6EE5-4F4A-BC99-A56493E60F06}"/>
+          </ac:spMkLst>
+        </pc:spChg>
+        <pc:spChg chg="add del">
+          <ac:chgData name="Samuel Gonzalez" userId="14b959e4d93e70df" providerId="LiveId" clId="{ED61DCA1-FADB-4A0C-9775-F8BC733857A2}" dt="2023-05-25T13:56:57.096" v="400" actId="26606"/>
+          <ac:spMkLst>
+            <pc:docMk/>
+            <pc:sldMk cId="960055738" sldId="272"/>
+            <ac:spMk id="31" creationId="{74270B3E-3C96-4381-9F21-EC83F1E1A0FD}"/>
+          </ac:spMkLst>
+        </pc:spChg>
+        <pc:picChg chg="add del mod">
+          <ac:chgData name="Samuel Gonzalez" userId="14b959e4d93e70df" providerId="LiveId" clId="{ED61DCA1-FADB-4A0C-9775-F8BC733857A2}" dt="2023-05-25T13:56:57.461" v="401" actId="22"/>
+          <ac:picMkLst>
+            <pc:docMk/>
+            <pc:sldMk cId="960055738" sldId="272"/>
+            <ac:picMk id="5" creationId="{69251E0C-93D8-E0A0-6F76-D60430A42F47}"/>
+          </ac:picMkLst>
+        </pc:picChg>
+        <pc:picChg chg="add mod">
+          <ac:chgData name="Samuel Gonzalez" userId="14b959e4d93e70df" providerId="LiveId" clId="{ED61DCA1-FADB-4A0C-9775-F8BC733857A2}" dt="2023-05-25T13:57:22.013" v="409" actId="1076"/>
+          <ac:picMkLst>
+            <pc:docMk/>
+            <pc:sldMk cId="960055738" sldId="272"/>
+            <ac:picMk id="7" creationId="{4A23D7A5-F7C4-53A4-D0D1-6E1BCBA44EF4}"/>
+          </ac:picMkLst>
+        </pc:picChg>
+        <pc:cxnChg chg="add del">
+          <ac:chgData name="Samuel Gonzalez" userId="14b959e4d93e70df" providerId="LiveId" clId="{ED61DCA1-FADB-4A0C-9775-F8BC733857A2}" dt="2023-05-25T13:56:51.271" v="396" actId="26606"/>
+          <ac:cxnSpMkLst>
+            <pc:docMk/>
+            <pc:sldMk cId="960055738" sldId="272"/>
+            <ac:cxnSpMk id="12" creationId="{4C75A547-BCD1-42BE-966E-53CA0AB93165}"/>
+          </ac:cxnSpMkLst>
+        </pc:cxnChg>
+        <pc:cxnChg chg="add del">
+          <ac:chgData name="Samuel Gonzalez" userId="14b959e4d93e70df" providerId="LiveId" clId="{ED61DCA1-FADB-4A0C-9775-F8BC733857A2}" dt="2023-05-25T13:56:51.271" v="396" actId="26606"/>
+          <ac:cxnSpMkLst>
+            <pc:docMk/>
+            <pc:sldMk cId="960055738" sldId="272"/>
+            <ac:cxnSpMk id="18" creationId="{EFDAA6A4-1F42-460B-A500-921EEB4BC01C}"/>
+          </ac:cxnSpMkLst>
+        </pc:cxnChg>
+        <pc:cxnChg chg="add del">
+          <ac:chgData name="Samuel Gonzalez" userId="14b959e4d93e70df" providerId="LiveId" clId="{ED61DCA1-FADB-4A0C-9775-F8BC733857A2}" dt="2023-05-25T13:56:54.250" v="398" actId="26606"/>
+          <ac:cxnSpMkLst>
+            <pc:docMk/>
+            <pc:sldMk cId="960055738" sldId="272"/>
+            <ac:cxnSpMk id="21" creationId="{4C75A547-BCD1-42BE-966E-53CA0AB93165}"/>
+          </ac:cxnSpMkLst>
+        </pc:cxnChg>
+        <pc:cxnChg chg="add del">
+          <ac:chgData name="Samuel Gonzalez" userId="14b959e4d93e70df" providerId="LiveId" clId="{ED61DCA1-FADB-4A0C-9775-F8BC733857A2}" dt="2023-05-25T13:56:57.096" v="400" actId="26606"/>
+          <ac:cxnSpMkLst>
+            <pc:docMk/>
+            <pc:sldMk cId="960055738" sldId="272"/>
+            <ac:cxnSpMk id="27" creationId="{4C75A547-BCD1-42BE-966E-53CA0AB93165}"/>
+          </ac:cxnSpMkLst>
+        </pc:cxnChg>
+        <pc:cxnChg chg="add del">
+          <ac:chgData name="Samuel Gonzalez" userId="14b959e4d93e70df" providerId="LiveId" clId="{ED61DCA1-FADB-4A0C-9775-F8BC733857A2}" dt="2023-05-25T13:56:57.096" v="400" actId="26606"/>
+          <ac:cxnSpMkLst>
+            <pc:docMk/>
+            <pc:sldMk cId="960055738" sldId="272"/>
+            <ac:cxnSpMk id="32" creationId="{071DF4C0-7A22-4E59-9E9C-BD2E245364DD}"/>
+          </ac:cxnSpMkLst>
+        </pc:cxnChg>
+      </pc:sldChg>
+      <pc:sldChg chg="addSp delSp new mod">
+        <pc:chgData name="Samuel Gonzalez" userId="14b959e4d93e70df" providerId="LiveId" clId="{ED61DCA1-FADB-4A0C-9775-F8BC733857A2}" dt="2023-05-25T14:06:33.604" v="413" actId="22"/>
+        <pc:sldMkLst>
+          <pc:docMk/>
+          <pc:sldMk cId="101716183" sldId="273"/>
+        </pc:sldMkLst>
+        <pc:spChg chg="del">
+          <ac:chgData name="Samuel Gonzalez" userId="14b959e4d93e70df" providerId="LiveId" clId="{ED61DCA1-FADB-4A0C-9775-F8BC733857A2}" dt="2023-05-25T14:06:11.067" v="412" actId="478"/>
+          <ac:spMkLst>
+            <pc:docMk/>
+            <pc:sldMk cId="101716183" sldId="273"/>
+            <ac:spMk id="2" creationId="{31AA8052-5800-5D28-B1C8-861C68591EC1}"/>
+          </ac:spMkLst>
+        </pc:spChg>
+        <pc:spChg chg="del">
+          <ac:chgData name="Samuel Gonzalez" userId="14b959e4d93e70df" providerId="LiveId" clId="{ED61DCA1-FADB-4A0C-9775-F8BC733857A2}" dt="2023-05-25T14:06:09.209" v="411" actId="478"/>
+          <ac:spMkLst>
+            <pc:docMk/>
+            <pc:sldMk cId="101716183" sldId="273"/>
+            <ac:spMk id="3" creationId="{2EAA9ACC-B7A4-A063-DB55-BF1C406725F5}"/>
+          </ac:spMkLst>
+        </pc:spChg>
+        <pc:picChg chg="add">
+          <ac:chgData name="Samuel Gonzalez" userId="14b959e4d93e70df" providerId="LiveId" clId="{ED61DCA1-FADB-4A0C-9775-F8BC733857A2}" dt="2023-05-25T14:06:33.604" v="413" actId="22"/>
+          <ac:picMkLst>
+            <pc:docMk/>
+            <pc:sldMk cId="101716183" sldId="273"/>
+            <ac:picMk id="5" creationId="{CE8015F9-9491-6E7B-16A3-A2335043F968}"/>
+          </ac:picMkLst>
+        </pc:picChg>
+      </pc:sldChg>
+      <pc:sldChg chg="addSp delSp modSp new mod setBg">
+        <pc:chgData name="Samuel Gonzalez" userId="14b959e4d93e70df" providerId="LiveId" clId="{ED61DCA1-FADB-4A0C-9775-F8BC733857A2}" dt="2023-05-25T14:07:40.680" v="441" actId="1076"/>
+        <pc:sldMkLst>
+          <pc:docMk/>
+          <pc:sldMk cId="3562431501" sldId="274"/>
+        </pc:sldMkLst>
+        <pc:spChg chg="mod">
+          <ac:chgData name="Samuel Gonzalez" userId="14b959e4d93e70df" providerId="LiveId" clId="{ED61DCA1-FADB-4A0C-9775-F8BC733857A2}" dt="2023-05-25T14:07:34.079" v="439" actId="26606"/>
+          <ac:spMkLst>
+            <pc:docMk/>
+            <pc:sldMk cId="3562431501" sldId="274"/>
+            <ac:spMk id="2" creationId="{0806F89C-7682-D2ED-0672-1FDB7DD73C63}"/>
+          </ac:spMkLst>
+        </pc:spChg>
+        <pc:spChg chg="del">
+          <ac:chgData name="Samuel Gonzalez" userId="14b959e4d93e70df" providerId="LiveId" clId="{ED61DCA1-FADB-4A0C-9775-F8BC733857A2}" dt="2023-05-25T14:06:56.467" v="437" actId="478"/>
+          <ac:spMkLst>
+            <pc:docMk/>
+            <pc:sldMk cId="3562431501" sldId="274"/>
+            <ac:spMk id="3" creationId="{77E8C467-A391-6758-6215-6F6B512867DC}"/>
+          </ac:spMkLst>
+        </pc:spChg>
+        <pc:spChg chg="add">
+          <ac:chgData name="Samuel Gonzalez" userId="14b959e4d93e70df" providerId="LiveId" clId="{ED61DCA1-FADB-4A0C-9775-F8BC733857A2}" dt="2023-05-25T14:07:34.079" v="439" actId="26606"/>
+          <ac:spMkLst>
+            <pc:docMk/>
+            <pc:sldMk cId="3562431501" sldId="274"/>
+            <ac:spMk id="10" creationId="{5CD60141-EEBD-4EC1-8E34-0344C16A18A2}"/>
+          </ac:spMkLst>
+        </pc:spChg>
+        <pc:spChg chg="add">
+          <ac:chgData name="Samuel Gonzalez" userId="14b959e4d93e70df" providerId="LiveId" clId="{ED61DCA1-FADB-4A0C-9775-F8BC733857A2}" dt="2023-05-25T14:07:34.079" v="439" actId="26606"/>
+          <ac:spMkLst>
+            <pc:docMk/>
+            <pc:sldMk cId="3562431501" sldId="274"/>
+            <ac:spMk id="14" creationId="{FE74E104-78A8-4DFA-9782-03C75DE1BF02}"/>
+          </ac:spMkLst>
+        </pc:spChg>
+        <pc:spChg chg="add">
+          <ac:chgData name="Samuel Gonzalez" userId="14b959e4d93e70df" providerId="LiveId" clId="{ED61DCA1-FADB-4A0C-9775-F8BC733857A2}" dt="2023-05-25T14:07:34.079" v="439" actId="26606"/>
+          <ac:spMkLst>
+            <pc:docMk/>
+            <pc:sldMk cId="3562431501" sldId="274"/>
+            <ac:spMk id="16" creationId="{1747BCEA-D77E-4BD6-8954-C64996AB739A}"/>
+          </ac:spMkLst>
+        </pc:spChg>
+        <pc:spChg chg="add">
+          <ac:chgData name="Samuel Gonzalez" userId="14b959e4d93e70df" providerId="LiveId" clId="{ED61DCA1-FADB-4A0C-9775-F8BC733857A2}" dt="2023-05-25T14:07:34.079" v="439" actId="26606"/>
+          <ac:spMkLst>
+            <pc:docMk/>
+            <pc:sldMk cId="3562431501" sldId="274"/>
+            <ac:spMk id="18" creationId="{76D563F6-B8F0-406F-A032-1E478CA25158}"/>
+          </ac:spMkLst>
+        </pc:spChg>
+        <pc:picChg chg="add mod">
+          <ac:chgData name="Samuel Gonzalez" userId="14b959e4d93e70df" providerId="LiveId" clId="{ED61DCA1-FADB-4A0C-9775-F8BC733857A2}" dt="2023-05-25T14:07:40.680" v="441" actId="1076"/>
+          <ac:picMkLst>
+            <pc:docMk/>
+            <pc:sldMk cId="3562431501" sldId="274"/>
+            <ac:picMk id="5" creationId="{291EF121-65B4-AF24-53FB-8810E43A60DF}"/>
+          </ac:picMkLst>
+        </pc:picChg>
+        <pc:cxnChg chg="add">
+          <ac:chgData name="Samuel Gonzalez" userId="14b959e4d93e70df" providerId="LiveId" clId="{ED61DCA1-FADB-4A0C-9775-F8BC733857A2}" dt="2023-05-25T14:07:34.079" v="439" actId="26606"/>
+          <ac:cxnSpMkLst>
+            <pc:docMk/>
+            <pc:sldMk cId="3562431501" sldId="274"/>
+            <ac:cxnSpMk id="12" creationId="{4C75A547-BCD1-42BE-966E-53CA0AB93165}"/>
+          </ac:cxnSpMkLst>
+        </pc:cxnChg>
+      </pc:sldChg>
+      <pc:sldChg chg="addSp delSp modSp new mod">
+        <pc:chgData name="Samuel Gonzalez" userId="14b959e4d93e70df" providerId="LiveId" clId="{ED61DCA1-FADB-4A0C-9775-F8BC733857A2}" dt="2023-05-25T14:09:23.612" v="449" actId="1076"/>
+        <pc:sldMkLst>
+          <pc:docMk/>
+          <pc:sldMk cId="4111829001" sldId="275"/>
+        </pc:sldMkLst>
+        <pc:spChg chg="del">
+          <ac:chgData name="Samuel Gonzalez" userId="14b959e4d93e70df" providerId="LiveId" clId="{ED61DCA1-FADB-4A0C-9775-F8BC733857A2}" dt="2023-05-25T14:07:50.987" v="444" actId="478"/>
+          <ac:spMkLst>
+            <pc:docMk/>
+            <pc:sldMk cId="4111829001" sldId="275"/>
+            <ac:spMk id="2" creationId="{E936D854-F4ED-A19B-37A9-230985C4F400}"/>
+          </ac:spMkLst>
+        </pc:spChg>
+        <pc:spChg chg="del">
+          <ac:chgData name="Samuel Gonzalez" userId="14b959e4d93e70df" providerId="LiveId" clId="{ED61DCA1-FADB-4A0C-9775-F8BC733857A2}" dt="2023-05-25T14:07:48.824" v="443" actId="478"/>
+          <ac:spMkLst>
+            <pc:docMk/>
+            <pc:sldMk cId="4111829001" sldId="275"/>
+            <ac:spMk id="3" creationId="{05B865D9-27B5-3145-8AF9-6DD180660888}"/>
+          </ac:spMkLst>
+        </pc:spChg>
+        <pc:picChg chg="add mod">
+          <ac:chgData name="Samuel Gonzalez" userId="14b959e4d93e70df" providerId="LiveId" clId="{ED61DCA1-FADB-4A0C-9775-F8BC733857A2}" dt="2023-05-25T14:09:21.414" v="448" actId="1076"/>
+          <ac:picMkLst>
+            <pc:docMk/>
+            <pc:sldMk cId="4111829001" sldId="275"/>
+            <ac:picMk id="5" creationId="{676D8DDE-1E45-4E6D-C497-635AB9ADD275}"/>
+          </ac:picMkLst>
+        </pc:picChg>
+        <pc:picChg chg="add mod">
+          <ac:chgData name="Samuel Gonzalez" userId="14b959e4d93e70df" providerId="LiveId" clId="{ED61DCA1-FADB-4A0C-9775-F8BC733857A2}" dt="2023-05-25T14:09:23.612" v="449" actId="1076"/>
+          <ac:picMkLst>
+            <pc:docMk/>
+            <pc:sldMk cId="4111829001" sldId="275"/>
+            <ac:picMk id="7" creationId="{6A0A3A9A-7F0D-EB17-BA1D-0285F63DF883}"/>
+          </ac:picMkLst>
+        </pc:picChg>
+      </pc:sldChg>
+      <pc:sldChg chg="modSp new mod">
+        <pc:chgData name="Samuel Gonzalez" userId="14b959e4d93e70df" providerId="LiveId" clId="{ED61DCA1-FADB-4A0C-9775-F8BC733857A2}" dt="2023-05-25T14:21:48.065" v="462" actId="20577"/>
+        <pc:sldMkLst>
+          <pc:docMk/>
+          <pc:sldMk cId="3015547281" sldId="276"/>
+        </pc:sldMkLst>
+        <pc:spChg chg="mod">
+          <ac:chgData name="Samuel Gonzalez" userId="14b959e4d93e70df" providerId="LiveId" clId="{ED61DCA1-FADB-4A0C-9775-F8BC733857A2}" dt="2023-05-25T14:21:48.065" v="462" actId="20577"/>
+          <ac:spMkLst>
+            <pc:docMk/>
+            <pc:sldMk cId="3015547281" sldId="276"/>
+            <ac:spMk id="2" creationId="{F38A423C-FF48-6F9E-2456-1DC585D2AAA0}"/>
+          </ac:spMkLst>
+        </pc:spChg>
       </pc:sldChg>
     </pc:docChg>
   </pc:docChgLst>
@@ -1094,7 +1740,7 @@
           <a:p>
             <a:fld id="{3CADBD16-5BFB-4D9F-9646-C75D1B53BBB6}" type="datetimeFigureOut">
               <a:rPr lang="en-US" smtClean="0"/>
-              <a:t>4/20/2023</a:t>
+              <a:t>5/25/2023</a:t>
             </a:fld>
             <a:endParaRPr lang="en-US"/>
           </a:p>
@@ -1335,7 +1981,7 @@
           <a:p>
             <a:fld id="{3CADBD16-5BFB-4D9F-9646-C75D1B53BBB6}" type="datetimeFigureOut">
               <a:rPr lang="en-US" smtClean="0"/>
-              <a:t>4/20/2023</a:t>
+              <a:t>5/25/2023</a:t>
             </a:fld>
             <a:endParaRPr lang="en-US"/>
           </a:p>
@@ -1543,7 +2189,7 @@
           <a:p>
             <a:fld id="{3CADBD16-5BFB-4D9F-9646-C75D1B53BBB6}" type="datetimeFigureOut">
               <a:rPr lang="en-US" smtClean="0"/>
-              <a:t>4/20/2023</a:t>
+              <a:t>5/25/2023</a:t>
             </a:fld>
             <a:endParaRPr lang="en-US"/>
           </a:p>
@@ -1741,7 +2387,7 @@
           <a:p>
             <a:fld id="{3CADBD16-5BFB-4D9F-9646-C75D1B53BBB6}" type="datetimeFigureOut">
               <a:rPr lang="en-US" smtClean="0"/>
-              <a:t>4/20/2023</a:t>
+              <a:t>5/25/2023</a:t>
             </a:fld>
             <a:endParaRPr lang="en-US"/>
           </a:p>
@@ -2018,7 +2664,7 @@
           <a:p>
             <a:fld id="{3CADBD16-5BFB-4D9F-9646-C75D1B53BBB6}" type="datetimeFigureOut">
               <a:rPr lang="en-US" smtClean="0"/>
-              <a:t>4/20/2023</a:t>
+              <a:t>5/25/2023</a:t>
             </a:fld>
             <a:endParaRPr lang="en-US"/>
           </a:p>
@@ -2283,7 +2929,7 @@
           <a:p>
             <a:fld id="{3CADBD16-5BFB-4D9F-9646-C75D1B53BBB6}" type="datetimeFigureOut">
               <a:rPr lang="en-US" smtClean="0"/>
-              <a:t>4/20/2023</a:t>
+              <a:t>5/25/2023</a:t>
             </a:fld>
             <a:endParaRPr lang="en-US"/>
           </a:p>
@@ -2699,7 +3345,7 @@
           <a:p>
             <a:fld id="{3CADBD16-5BFB-4D9F-9646-C75D1B53BBB6}" type="datetimeFigureOut">
               <a:rPr lang="en-US" smtClean="0"/>
-              <a:t>4/20/2023</a:t>
+              <a:t>5/25/2023</a:t>
             </a:fld>
             <a:endParaRPr lang="en-US"/>
           </a:p>
@@ -2849,7 +3495,7 @@
           <a:p>
             <a:fld id="{3CADBD16-5BFB-4D9F-9646-C75D1B53BBB6}" type="datetimeFigureOut">
               <a:rPr lang="en-US" smtClean="0"/>
-              <a:t>4/20/2023</a:t>
+              <a:t>5/25/2023</a:t>
             </a:fld>
             <a:endParaRPr lang="en-US"/>
           </a:p>
@@ -2962,7 +3608,7 @@
           <a:p>
             <a:fld id="{3CADBD16-5BFB-4D9F-9646-C75D1B53BBB6}" type="datetimeFigureOut">
               <a:rPr lang="en-US" smtClean="0"/>
-              <a:t>4/20/2023</a:t>
+              <a:t>5/25/2023</a:t>
             </a:fld>
             <a:endParaRPr lang="en-US"/>
           </a:p>
@@ -3278,7 +3924,7 @@
           <a:p>
             <a:fld id="{3CADBD16-5BFB-4D9F-9646-C75D1B53BBB6}" type="datetimeFigureOut">
               <a:rPr lang="en-US" smtClean="0"/>
-              <a:t>4/20/2023</a:t>
+              <a:t>5/25/2023</a:t>
             </a:fld>
             <a:endParaRPr lang="en-US"/>
           </a:p>
@@ -3529,7 +4175,7 @@
           <a:p>
             <a:fld id="{3CADBD16-5BFB-4D9F-9646-C75D1B53BBB6}" type="datetimeFigureOut">
               <a:rPr lang="en-US" smtClean="0"/>
-              <a:t>4/20/2023</a:t>
+              <a:t>5/25/2023</a:t>
             </a:fld>
             <a:endParaRPr lang="en-US"/>
           </a:p>
@@ -4038,7 +4684,7 @@
             <a:fld id="{3CADBD16-5BFB-4D9F-9646-C75D1B53BBB6}" type="datetimeFigureOut">
               <a:rPr lang="en-US" smtClean="0"/>
               <a:pPr/>
-              <a:t>4/20/2023</a:t>
+              <a:t>5/25/2023</a:t>
             </a:fld>
             <a:endParaRPr lang="en-US" dirty="0"/>
           </a:p>
@@ -4819,6 +5465,1308 @@
 </p:sld>
 </file>
 
+<file path=ppt/slides/slide10.xml><?xml version="1.0" encoding="utf-8"?>
+<p:sld xmlns:a="http://schemas.openxmlformats.org/drawingml/2006/main" xmlns:r="http://schemas.openxmlformats.org/officeDocument/2006/relationships" xmlns:p="http://schemas.openxmlformats.org/presentationml/2006/main">
+  <p:cSld>
+    <p:spTree>
+      <p:nvGrpSpPr>
+        <p:cNvPr id="1" name=""/>
+        <p:cNvGrpSpPr/>
+        <p:nvPr/>
+      </p:nvGrpSpPr>
+      <p:grpSpPr>
+        <a:xfrm>
+          <a:off x="0" y="0"/>
+          <a:ext cx="0" cy="0"/>
+          <a:chOff x="0" y="0"/>
+          <a:chExt cx="0" cy="0"/>
+        </a:xfrm>
+      </p:grpSpPr>
+      <p:pic>
+        <p:nvPicPr>
+          <p:cNvPr id="5" name="Imagen 4">
+            <a:extLst>
+              <a:ext uri="{FF2B5EF4-FFF2-40B4-BE49-F238E27FC236}">
+                <a16:creationId xmlns:a16="http://schemas.microsoft.com/office/drawing/2014/main" id="{BF059B3F-104D-E7DB-31BE-C669707FD96B}"/>
+              </a:ext>
+            </a:extLst>
+          </p:cNvPr>
+          <p:cNvPicPr>
+            <a:picLocks noChangeAspect="1"/>
+          </p:cNvPicPr>
+          <p:nvPr/>
+        </p:nvPicPr>
+        <p:blipFill>
+          <a:blip r:embed="rId2"/>
+          <a:stretch>
+            <a:fillRect/>
+          </a:stretch>
+        </p:blipFill>
+        <p:spPr>
+          <a:xfrm>
+            <a:off x="0" y="586123"/>
+            <a:ext cx="12192000" cy="5685754"/>
+          </a:xfrm>
+          <a:prstGeom prst="rect">
+            <a:avLst/>
+          </a:prstGeom>
+        </p:spPr>
+      </p:pic>
+    </p:spTree>
+    <p:extLst>
+      <p:ext uri="{BB962C8B-B14F-4D97-AF65-F5344CB8AC3E}">
+        <p14:creationId xmlns:p14="http://schemas.microsoft.com/office/powerpoint/2010/main" val="2658159423"/>
+      </p:ext>
+    </p:extLst>
+  </p:cSld>
+  <p:clrMapOvr>
+    <a:masterClrMapping/>
+  </p:clrMapOvr>
+</p:sld>
+</file>
+
+<file path=ppt/slides/slide11.xml><?xml version="1.0" encoding="utf-8"?>
+<p:sld xmlns:a="http://schemas.openxmlformats.org/drawingml/2006/main" xmlns:r="http://schemas.openxmlformats.org/officeDocument/2006/relationships" xmlns:p="http://schemas.openxmlformats.org/presentationml/2006/main">
+  <p:cSld>
+    <p:bg>
+      <p:bgPr>
+        <a:solidFill>
+          <a:schemeClr val="bg1"/>
+        </a:solidFill>
+        <a:effectLst/>
+      </p:bgPr>
+    </p:bg>
+    <p:spTree>
+      <p:nvGrpSpPr>
+        <p:cNvPr id="1" name=""/>
+        <p:cNvGrpSpPr/>
+        <p:nvPr/>
+      </p:nvGrpSpPr>
+      <p:grpSpPr>
+        <a:xfrm>
+          <a:off x="0" y="0"/>
+          <a:ext cx="0" cy="0"/>
+          <a:chOff x="0" y="0"/>
+          <a:chExt cx="0" cy="0"/>
+        </a:xfrm>
+      </p:grpSpPr>
+      <p:sp useBgFill="1">
+        <p:nvSpPr>
+          <p:cNvPr id="10" name="Rectangle 9">
+            <a:extLst>
+              <a:ext uri="{FF2B5EF4-FFF2-40B4-BE49-F238E27FC236}">
+                <a16:creationId xmlns:a16="http://schemas.microsoft.com/office/drawing/2014/main" id="{FD57F13B-6973-4CE9-92F3-5EC476ED97B5}"/>
+              </a:ext>
+              <a:ext uri="{C183D7F6-B498-43B3-948B-1728B52AA6E4}">
+                <adec:decorative xmlns:adec="http://schemas.microsoft.com/office/drawing/2017/decorative" val="1"/>
+              </a:ext>
+            </a:extLst>
+          </p:cNvPr>
+          <p:cNvSpPr>
+            <a:spLocks noGrp="1" noRot="1" noChangeAspect="1" noMove="1" noResize="1" noEditPoints="1" noAdjustHandles="1" noChangeArrowheads="1" noChangeShapeType="1" noTextEdit="1"/>
+          </p:cNvSpPr>
+          <p:nvPr>
+            <p:extLst>
+              <p:ext uri="{386F3935-93C4-4BCD-93E2-E3B085C9AB24}">
+                <p16:designElem xmlns:p16="http://schemas.microsoft.com/office/powerpoint/2015/main" val="1"/>
+              </p:ext>
+            </p:extLst>
+          </p:nvPr>
+        </p:nvSpPr>
+        <p:spPr>
+          <a:xfrm>
+            <a:off x="0" y="0"/>
+            <a:ext cx="12192000" cy="6858000"/>
+          </a:xfrm>
+          <a:prstGeom prst="rect">
+            <a:avLst/>
+          </a:prstGeom>
+          <a:ln w="12700" cap="flat" cmpd="sng" algn="ctr">
+            <a:noFill/>
+            <a:prstDash val="solid"/>
+            <a:miter lim="800000"/>
+          </a:ln>
+          <a:effectLst/>
+          <a:extLst>
+            <a:ext uri="{91240B29-F687-4F45-9708-019B960494DF}">
+              <a14:hiddenLine xmlns:a14="http://schemas.microsoft.com/office/drawing/2010/main" w="12700" cap="flat" cmpd="sng" algn="ctr">
+                <a:solidFill>
+                  <a:schemeClr val="accent1">
+                    <a:shade val="50000"/>
+                  </a:schemeClr>
+                </a:solidFill>
+                <a:prstDash val="solid"/>
+                <a:miter lim="800000"/>
+              </a14:hiddenLine>
+            </a:ext>
+          </a:extLst>
+        </p:spPr>
+        <p:style>
+          <a:lnRef idx="2">
+            <a:schemeClr val="accent1">
+              <a:shade val="50000"/>
+            </a:schemeClr>
+          </a:lnRef>
+          <a:fillRef idx="1">
+            <a:schemeClr val="accent1"/>
+          </a:fillRef>
+          <a:effectRef idx="0">
+            <a:schemeClr val="accent1"/>
+          </a:effectRef>
+          <a:fontRef idx="minor">
+            <a:schemeClr val="lt1"/>
+          </a:fontRef>
+        </p:style>
+        <p:txBody>
+          <a:bodyPr rtlCol="0" anchor="ctr"/>
+          <a:lstStyle/>
+          <a:p>
+            <a:pPr algn="ctr"/>
+            <a:endParaRPr lang="en-US"/>
+          </a:p>
+        </p:txBody>
+      </p:sp>
+      <p:pic>
+        <p:nvPicPr>
+          <p:cNvPr id="5" name="Imagen 4">
+            <a:extLst>
+              <a:ext uri="{FF2B5EF4-FFF2-40B4-BE49-F238E27FC236}">
+                <a16:creationId xmlns:a16="http://schemas.microsoft.com/office/drawing/2014/main" id="{89663F84-BC85-C188-CE59-B436C607867C}"/>
+              </a:ext>
+            </a:extLst>
+          </p:cNvPr>
+          <p:cNvPicPr>
+            <a:picLocks noChangeAspect="1"/>
+          </p:cNvPicPr>
+          <p:nvPr/>
+        </p:nvPicPr>
+        <p:blipFill rotWithShape="1">
+          <a:blip r:embed="rId2"/>
+          <a:srcRect l="17499" r="12013" b="-1"/>
+          <a:stretch/>
+        </p:blipFill>
+        <p:spPr>
+          <a:xfrm>
+            <a:off x="1233838" y="644111"/>
+            <a:ext cx="9760638" cy="5296614"/>
+          </a:xfrm>
+          <a:prstGeom prst="rect">
+            <a:avLst/>
+          </a:prstGeom>
+        </p:spPr>
+      </p:pic>
+      <p:cxnSp>
+        <p:nvCxnSpPr>
+          <p:cNvPr id="12" name="Straight Connector 11">
+            <a:extLst>
+              <a:ext uri="{FF2B5EF4-FFF2-40B4-BE49-F238E27FC236}">
+                <a16:creationId xmlns:a16="http://schemas.microsoft.com/office/drawing/2014/main" id="{8EBABBB3-9834-451A-9C3E-59630549FC79}"/>
+              </a:ext>
+              <a:ext uri="{C183D7F6-B498-43B3-948B-1728B52AA6E4}">
+                <adec:decorative xmlns:adec="http://schemas.microsoft.com/office/drawing/2017/decorative" val="1"/>
+              </a:ext>
+            </a:extLst>
+          </p:cNvPr>
+          <p:cNvCxnSpPr>
+            <a:cxnSpLocks noGrp="1" noRot="1" noChangeAspect="1" noMove="1" noResize="1" noEditPoints="1" noAdjustHandles="1" noChangeArrowheads="1" noChangeShapeType="1"/>
+          </p:cNvCxnSpPr>
+          <p:nvPr>
+            <p:extLst>
+              <p:ext uri="{386F3935-93C4-4BCD-93E2-E3B085C9AB24}">
+                <p16:designElem xmlns:p16="http://schemas.microsoft.com/office/powerpoint/2015/main" val="1"/>
+              </p:ext>
+            </p:extLst>
+          </p:nvPr>
+        </p:nvCxnSpPr>
+        <p:spPr>
+          <a:xfrm>
+            <a:off x="1233837" y="6172200"/>
+            <a:ext cx="9760638" cy="0"/>
+          </a:xfrm>
+          <a:prstGeom prst="line">
+            <a:avLst/>
+          </a:prstGeom>
+          <a:ln w="12700">
+            <a:solidFill>
+              <a:schemeClr val="tx1"/>
+            </a:solidFill>
+          </a:ln>
+        </p:spPr>
+        <p:style>
+          <a:lnRef idx="1">
+            <a:schemeClr val="accent1"/>
+          </a:lnRef>
+          <a:fillRef idx="0">
+            <a:schemeClr val="accent1"/>
+          </a:fillRef>
+          <a:effectRef idx="0">
+            <a:schemeClr val="accent1"/>
+          </a:effectRef>
+          <a:fontRef idx="minor">
+            <a:schemeClr val="tx1"/>
+          </a:fontRef>
+        </p:style>
+      </p:cxnSp>
+    </p:spTree>
+    <p:extLst>
+      <p:ext uri="{BB962C8B-B14F-4D97-AF65-F5344CB8AC3E}">
+        <p14:creationId xmlns:p14="http://schemas.microsoft.com/office/powerpoint/2010/main" val="700557501"/>
+      </p:ext>
+    </p:extLst>
+  </p:cSld>
+  <p:clrMapOvr>
+    <a:masterClrMapping/>
+  </p:clrMapOvr>
+</p:sld>
+</file>
+
+<file path=ppt/slides/slide12.xml><?xml version="1.0" encoding="utf-8"?>
+<p:sld xmlns:a="http://schemas.openxmlformats.org/drawingml/2006/main" xmlns:r="http://schemas.openxmlformats.org/officeDocument/2006/relationships" xmlns:p="http://schemas.openxmlformats.org/presentationml/2006/main">
+  <p:cSld>
+    <p:spTree>
+      <p:nvGrpSpPr>
+        <p:cNvPr id="1" name=""/>
+        <p:cNvGrpSpPr/>
+        <p:nvPr/>
+      </p:nvGrpSpPr>
+      <p:grpSpPr>
+        <a:xfrm>
+          <a:off x="0" y="0"/>
+          <a:ext cx="0" cy="0"/>
+          <a:chOff x="0" y="0"/>
+          <a:chExt cx="0" cy="0"/>
+        </a:xfrm>
+      </p:grpSpPr>
+      <p:sp>
+        <p:nvSpPr>
+          <p:cNvPr id="2" name="Título 1">
+            <a:extLst>
+              <a:ext uri="{FF2B5EF4-FFF2-40B4-BE49-F238E27FC236}">
+                <a16:creationId xmlns:a16="http://schemas.microsoft.com/office/drawing/2014/main" id="{774AF3D5-5DCF-2D93-A2C3-FACAF8A08A89}"/>
+              </a:ext>
+            </a:extLst>
+          </p:cNvPr>
+          <p:cNvSpPr>
+            <a:spLocks noGrp="1"/>
+          </p:cNvSpPr>
+          <p:nvPr>
+            <p:ph type="title"/>
+          </p:nvPr>
+        </p:nvSpPr>
+        <p:spPr>
+          <a:xfrm>
+            <a:off x="2190750" y="377635"/>
+            <a:ext cx="2638425" cy="812990"/>
+          </a:xfrm>
+        </p:spPr>
+        <p:txBody>
+          <a:bodyPr/>
+          <a:lstStyle/>
+          <a:p>
+            <a:r>
+              <a:rPr lang="es-ES" dirty="0"/>
+              <a:t>Tracking</a:t>
+            </a:r>
+            <a:endParaRPr lang="es-MX" dirty="0"/>
+          </a:p>
+        </p:txBody>
+      </p:sp>
+      <p:pic>
+        <p:nvPicPr>
+          <p:cNvPr id="7" name="Imagen 6">
+            <a:extLst>
+              <a:ext uri="{FF2B5EF4-FFF2-40B4-BE49-F238E27FC236}">
+                <a16:creationId xmlns:a16="http://schemas.microsoft.com/office/drawing/2014/main" id="{4A23D7A5-F7C4-53A4-D0D1-6E1BCBA44EF4}"/>
+              </a:ext>
+            </a:extLst>
+          </p:cNvPr>
+          <p:cNvPicPr>
+            <a:picLocks noChangeAspect="1"/>
+          </p:cNvPicPr>
+          <p:nvPr/>
+        </p:nvPicPr>
+        <p:blipFill>
+          <a:blip r:embed="rId2"/>
+          <a:stretch>
+            <a:fillRect/>
+          </a:stretch>
+        </p:blipFill>
+        <p:spPr>
+          <a:xfrm>
+            <a:off x="1430191" y="1485220"/>
+            <a:ext cx="8952059" cy="4610119"/>
+          </a:xfrm>
+          <a:prstGeom prst="rect">
+            <a:avLst/>
+          </a:prstGeom>
+        </p:spPr>
+      </p:pic>
+    </p:spTree>
+    <p:extLst>
+      <p:ext uri="{BB962C8B-B14F-4D97-AF65-F5344CB8AC3E}">
+        <p14:creationId xmlns:p14="http://schemas.microsoft.com/office/powerpoint/2010/main" val="960055738"/>
+      </p:ext>
+    </p:extLst>
+  </p:cSld>
+  <p:clrMapOvr>
+    <a:masterClrMapping/>
+  </p:clrMapOvr>
+</p:sld>
+</file>
+
+<file path=ppt/slides/slide13.xml><?xml version="1.0" encoding="utf-8"?>
+<p:sld xmlns:a="http://schemas.openxmlformats.org/drawingml/2006/main" xmlns:r="http://schemas.openxmlformats.org/officeDocument/2006/relationships" xmlns:p="http://schemas.openxmlformats.org/presentationml/2006/main">
+  <p:cSld>
+    <p:spTree>
+      <p:nvGrpSpPr>
+        <p:cNvPr id="1" name=""/>
+        <p:cNvGrpSpPr/>
+        <p:nvPr/>
+      </p:nvGrpSpPr>
+      <p:grpSpPr>
+        <a:xfrm>
+          <a:off x="0" y="0"/>
+          <a:ext cx="0" cy="0"/>
+          <a:chOff x="0" y="0"/>
+          <a:chExt cx="0" cy="0"/>
+        </a:xfrm>
+      </p:grpSpPr>
+      <p:pic>
+        <p:nvPicPr>
+          <p:cNvPr id="5" name="Imagen 4">
+            <a:extLst>
+              <a:ext uri="{FF2B5EF4-FFF2-40B4-BE49-F238E27FC236}">
+                <a16:creationId xmlns:a16="http://schemas.microsoft.com/office/drawing/2014/main" id="{CE8015F9-9491-6E7B-16A3-A2335043F968}"/>
+              </a:ext>
+            </a:extLst>
+          </p:cNvPr>
+          <p:cNvPicPr>
+            <a:picLocks noChangeAspect="1"/>
+          </p:cNvPicPr>
+          <p:nvPr/>
+        </p:nvPicPr>
+        <p:blipFill>
+          <a:blip r:embed="rId2"/>
+          <a:stretch>
+            <a:fillRect/>
+          </a:stretch>
+        </p:blipFill>
+        <p:spPr>
+          <a:xfrm>
+            <a:off x="0" y="614728"/>
+            <a:ext cx="12192000" cy="5628544"/>
+          </a:xfrm>
+          <a:prstGeom prst="rect">
+            <a:avLst/>
+          </a:prstGeom>
+        </p:spPr>
+      </p:pic>
+    </p:spTree>
+    <p:extLst>
+      <p:ext uri="{BB962C8B-B14F-4D97-AF65-F5344CB8AC3E}">
+        <p14:creationId xmlns:p14="http://schemas.microsoft.com/office/powerpoint/2010/main" val="101716183"/>
+      </p:ext>
+    </p:extLst>
+  </p:cSld>
+  <p:clrMapOvr>
+    <a:masterClrMapping/>
+  </p:clrMapOvr>
+</p:sld>
+</file>
+
+<file path=ppt/slides/slide14.xml><?xml version="1.0" encoding="utf-8"?>
+<p:sld xmlns:a="http://schemas.openxmlformats.org/drawingml/2006/main" xmlns:r="http://schemas.openxmlformats.org/officeDocument/2006/relationships" xmlns:p="http://schemas.openxmlformats.org/presentationml/2006/main">
+  <p:cSld>
+    <p:bg>
+      <p:bgPr>
+        <a:solidFill>
+          <a:schemeClr val="bg1"/>
+        </a:solidFill>
+        <a:effectLst/>
+      </p:bgPr>
+    </p:bg>
+    <p:spTree>
+      <p:nvGrpSpPr>
+        <p:cNvPr id="1" name=""/>
+        <p:cNvGrpSpPr/>
+        <p:nvPr/>
+      </p:nvGrpSpPr>
+      <p:grpSpPr>
+        <a:xfrm>
+          <a:off x="0" y="0"/>
+          <a:ext cx="0" cy="0"/>
+          <a:chOff x="0" y="0"/>
+          <a:chExt cx="0" cy="0"/>
+        </a:xfrm>
+      </p:grpSpPr>
+      <p:sp>
+        <p:nvSpPr>
+          <p:cNvPr id="10" name="Freeform: Shape 9">
+            <a:extLst>
+              <a:ext uri="{FF2B5EF4-FFF2-40B4-BE49-F238E27FC236}">
+                <a16:creationId xmlns:a16="http://schemas.microsoft.com/office/drawing/2014/main" id="{5CD60141-EEBD-4EC1-8E34-0344C16A18A2}"/>
+              </a:ext>
+              <a:ext uri="{C183D7F6-B498-43B3-948B-1728B52AA6E4}">
+                <adec:decorative xmlns:adec="http://schemas.microsoft.com/office/drawing/2017/decorative" val="1"/>
+              </a:ext>
+            </a:extLst>
+          </p:cNvPr>
+          <p:cNvSpPr>
+            <a:spLocks noGrp="1" noRot="1" noChangeAspect="1" noMove="1" noResize="1" noEditPoints="1" noAdjustHandles="1" noChangeArrowheads="1" noChangeShapeType="1" noTextEdit="1"/>
+          </p:cNvSpPr>
+          <p:nvPr>
+            <p:extLst>
+              <p:ext uri="{386F3935-93C4-4BCD-93E2-E3B085C9AB24}">
+                <p16:designElem xmlns:p16="http://schemas.microsoft.com/office/powerpoint/2015/main" val="1"/>
+              </p:ext>
+            </p:extLst>
+          </p:nvPr>
+        </p:nvSpPr>
+        <p:spPr>
+          <a:xfrm>
+            <a:off x="5318308" y="0"/>
+            <a:ext cx="6873692" cy="6858000"/>
+          </a:xfrm>
+          <a:custGeom>
+            <a:avLst/>
+            <a:gdLst/>
+            <a:ahLst/>
+            <a:cxnLst/>
+            <a:rect l="l" t="t" r="r" b="b"/>
+            <a:pathLst>
+              <a:path w="6873692" h="6858000">
+                <a:moveTo>
+                  <a:pt x="6010592" y="0"/>
+                </a:moveTo>
+                <a:lnTo>
+                  <a:pt x="6873692" y="0"/>
+                </a:lnTo>
+                <a:lnTo>
+                  <a:pt x="6873692" y="6858000"/>
+                </a:lnTo>
+                <a:lnTo>
+                  <a:pt x="0" y="6858000"/>
+                </a:lnTo>
+                <a:lnTo>
+                  <a:pt x="6010589" y="4"/>
+                </a:lnTo>
+                <a:cubicBezTo>
+                  <a:pt x="6010589" y="3"/>
+                  <a:pt x="6010590" y="3"/>
+                  <a:pt x="6010590" y="2"/>
+                </a:cubicBezTo>
+                <a:lnTo>
+                  <a:pt x="6010592" y="0"/>
+                </a:lnTo>
+                <a:close/>
+              </a:path>
+            </a:pathLst>
+          </a:custGeom>
+          <a:solidFill>
+            <a:schemeClr val="bg2"/>
+          </a:solidFill>
+          <a:ln w="12700" cap="flat" cmpd="sng" algn="ctr">
+            <a:noFill/>
+            <a:prstDash val="solid"/>
+            <a:miter lim="800000"/>
+          </a:ln>
+          <a:effectLst/>
+        </p:spPr>
+        <p:style>
+          <a:lnRef idx="2">
+            <a:schemeClr val="accent1">
+              <a:shade val="50000"/>
+            </a:schemeClr>
+          </a:lnRef>
+          <a:fillRef idx="1">
+            <a:schemeClr val="accent1"/>
+          </a:fillRef>
+          <a:effectRef idx="0">
+            <a:schemeClr val="accent1"/>
+          </a:effectRef>
+          <a:fontRef idx="minor">
+            <a:schemeClr val="lt1"/>
+          </a:fontRef>
+        </p:style>
+        <p:txBody>
+          <a:bodyPr wrap="square" rtlCol="0" anchor="ctr">
+            <a:noAutofit/>
+          </a:bodyPr>
+          <a:lstStyle/>
+          <a:p>
+            <a:pPr algn="ctr"/>
+            <a:endParaRPr lang="en-US"/>
+          </a:p>
+        </p:txBody>
+      </p:sp>
+      <p:cxnSp>
+        <p:nvCxnSpPr>
+          <p:cNvPr id="12" name="Straight Connector 11">
+            <a:extLst>
+              <a:ext uri="{FF2B5EF4-FFF2-40B4-BE49-F238E27FC236}">
+                <a16:creationId xmlns:a16="http://schemas.microsoft.com/office/drawing/2014/main" id="{4C75A547-BCD1-42BE-966E-53CA0AB93165}"/>
+              </a:ext>
+              <a:ext uri="{C183D7F6-B498-43B3-948B-1728B52AA6E4}">
+                <adec:decorative xmlns:adec="http://schemas.microsoft.com/office/drawing/2017/decorative" val="1"/>
+              </a:ext>
+            </a:extLst>
+          </p:cNvPr>
+          <p:cNvCxnSpPr>
+            <a:cxnSpLocks noGrp="1" noRot="1" noChangeAspect="1" noMove="1" noResize="1" noEditPoints="1" noAdjustHandles="1" noChangeArrowheads="1" noChangeShapeType="1"/>
+          </p:cNvCxnSpPr>
+          <p:nvPr>
+            <p:extLst>
+              <p:ext uri="{386F3935-93C4-4BCD-93E2-E3B085C9AB24}">
+                <p16:designElem xmlns:p16="http://schemas.microsoft.com/office/powerpoint/2015/main" val="1"/>
+              </p:ext>
+            </p:extLst>
+          </p:nvPr>
+        </p:nvCxnSpPr>
+        <p:spPr>
+          <a:xfrm>
+            <a:off x="1188357" y="5151666"/>
+            <a:ext cx="9822543" cy="0"/>
+          </a:xfrm>
+          <a:prstGeom prst="line">
+            <a:avLst/>
+          </a:prstGeom>
+          <a:ln w="12700">
+            <a:solidFill>
+              <a:schemeClr val="tx1"/>
+            </a:solidFill>
+          </a:ln>
+        </p:spPr>
+        <p:style>
+          <a:lnRef idx="1">
+            <a:schemeClr val="accent1"/>
+          </a:lnRef>
+          <a:fillRef idx="0">
+            <a:schemeClr val="accent1"/>
+          </a:fillRef>
+          <a:effectRef idx="0">
+            <a:schemeClr val="accent1"/>
+          </a:effectRef>
+          <a:fontRef idx="minor">
+            <a:schemeClr val="tx1"/>
+          </a:fontRef>
+        </p:style>
+      </p:cxnSp>
+      <p:sp useBgFill="1">
+        <p:nvSpPr>
+          <p:cNvPr id="14" name="Rectangle 13">
+            <a:extLst>
+              <a:ext uri="{FF2B5EF4-FFF2-40B4-BE49-F238E27FC236}">
+                <a16:creationId xmlns:a16="http://schemas.microsoft.com/office/drawing/2014/main" id="{FE74E104-78A8-4DFA-9782-03C75DE1BF02}"/>
+              </a:ext>
+              <a:ext uri="{C183D7F6-B498-43B3-948B-1728B52AA6E4}">
+                <adec:decorative xmlns:adec="http://schemas.microsoft.com/office/drawing/2017/decorative" val="1"/>
+              </a:ext>
+            </a:extLst>
+          </p:cNvPr>
+          <p:cNvSpPr>
+            <a:spLocks noGrp="1" noRot="1" noChangeAspect="1" noMove="1" noResize="1" noEditPoints="1" noAdjustHandles="1" noChangeArrowheads="1" noChangeShapeType="1" noTextEdit="1"/>
+          </p:cNvSpPr>
+          <p:nvPr>
+            <p:extLst>
+              <p:ext uri="{386F3935-93C4-4BCD-93E2-E3B085C9AB24}">
+                <p16:designElem xmlns:p16="http://schemas.microsoft.com/office/powerpoint/2015/main" val="1"/>
+              </p:ext>
+            </p:extLst>
+          </p:nvPr>
+        </p:nvSpPr>
+        <p:spPr>
+          <a:xfrm>
+            <a:off x="0" y="0"/>
+            <a:ext cx="12192000" cy="6858000"/>
+          </a:xfrm>
+          <a:prstGeom prst="rect">
+            <a:avLst/>
+          </a:prstGeom>
+          <a:ln w="12700" cap="flat" cmpd="sng" algn="ctr">
+            <a:noFill/>
+            <a:prstDash val="solid"/>
+            <a:miter lim="800000"/>
+          </a:ln>
+          <a:effectLst/>
+          <a:extLst>
+            <a:ext uri="{91240B29-F687-4F45-9708-019B960494DF}">
+              <a14:hiddenLine xmlns:a14="http://schemas.microsoft.com/office/drawing/2010/main" w="12700" cap="flat" cmpd="sng" algn="ctr">
+                <a:solidFill>
+                  <a:schemeClr val="accent1">
+                    <a:shade val="50000"/>
+                  </a:schemeClr>
+                </a:solidFill>
+                <a:prstDash val="solid"/>
+                <a:miter lim="800000"/>
+              </a14:hiddenLine>
+            </a:ext>
+          </a:extLst>
+        </p:spPr>
+        <p:style>
+          <a:lnRef idx="2">
+            <a:schemeClr val="accent1">
+              <a:shade val="50000"/>
+            </a:schemeClr>
+          </a:lnRef>
+          <a:fillRef idx="1">
+            <a:schemeClr val="accent1"/>
+          </a:fillRef>
+          <a:effectRef idx="0">
+            <a:schemeClr val="accent1"/>
+          </a:effectRef>
+          <a:fontRef idx="minor">
+            <a:schemeClr val="lt1"/>
+          </a:fontRef>
+        </p:style>
+        <p:txBody>
+          <a:bodyPr rtlCol="0" anchor="ctr"/>
+          <a:lstStyle/>
+          <a:p>
+            <a:pPr algn="ctr"/>
+            <a:endParaRPr lang="en-US"/>
+          </a:p>
+        </p:txBody>
+      </p:sp>
+      <p:sp>
+        <p:nvSpPr>
+          <p:cNvPr id="16" name="Freeform: Shape 15">
+            <a:extLst>
+              <a:ext uri="{FF2B5EF4-FFF2-40B4-BE49-F238E27FC236}">
+                <a16:creationId xmlns:a16="http://schemas.microsoft.com/office/drawing/2014/main" id="{1747BCEA-D77E-4BD6-8954-C64996AB739A}"/>
+              </a:ext>
+              <a:ext uri="{C183D7F6-B498-43B3-948B-1728B52AA6E4}">
+                <adec:decorative xmlns:adec="http://schemas.microsoft.com/office/drawing/2017/decorative" val="1"/>
+              </a:ext>
+            </a:extLst>
+          </p:cNvPr>
+          <p:cNvSpPr>
+            <a:spLocks noGrp="1" noRot="1" noChangeAspect="1" noMove="1" noResize="1" noEditPoints="1" noAdjustHandles="1" noChangeArrowheads="1" noChangeShapeType="1" noTextEdit="1"/>
+          </p:cNvSpPr>
+          <p:nvPr>
+            <p:extLst>
+              <p:ext uri="{386F3935-93C4-4BCD-93E2-E3B085C9AB24}">
+                <p16:designElem xmlns:p16="http://schemas.microsoft.com/office/powerpoint/2015/main" val="1"/>
+              </p:ext>
+            </p:extLst>
+          </p:nvPr>
+        </p:nvSpPr>
+        <p:spPr>
+          <a:xfrm rot="16200000" flipH="1" flipV="1">
+            <a:off x="1127553" y="-1127553"/>
+            <a:ext cx="6858000" cy="9113106"/>
+          </a:xfrm>
+          <a:custGeom>
+            <a:avLst/>
+            <a:gdLst>
+              <a:gd name="connsiteX0" fmla="*/ 0 w 6858000"/>
+              <a:gd name="connsiteY0" fmla="*/ 7143270 h 9113106"/>
+              <a:gd name="connsiteX1" fmla="*/ 0 w 6858000"/>
+              <a:gd name="connsiteY1" fmla="*/ 6878623 h 9113106"/>
+              <a:gd name="connsiteX2" fmla="*/ 1 w 6858000"/>
+              <a:gd name="connsiteY2" fmla="*/ 6878623 h 9113106"/>
+              <a:gd name="connsiteX3" fmla="*/ 0 w 6858000"/>
+              <a:gd name="connsiteY3" fmla="*/ 4319945 h 9113106"/>
+              <a:gd name="connsiteX4" fmla="*/ 1 w 6858000"/>
+              <a:gd name="connsiteY4" fmla="*/ 4319945 h 9113106"/>
+              <a:gd name="connsiteX5" fmla="*/ 1 w 6858000"/>
+              <a:gd name="connsiteY5" fmla="*/ 13542 h 9113106"/>
+              <a:gd name="connsiteX6" fmla="*/ 0 w 6858000"/>
+              <a:gd name="connsiteY6" fmla="*/ 13540 h 9113106"/>
+              <a:gd name="connsiteX7" fmla="*/ 0 w 6858000"/>
+              <a:gd name="connsiteY7" fmla="*/ 0 h 9113106"/>
+              <a:gd name="connsiteX8" fmla="*/ 6858000 w 6858000"/>
+              <a:gd name="connsiteY8" fmla="*/ 6010591 h 9113106"/>
+              <a:gd name="connsiteX9" fmla="*/ 6858000 w 6858000"/>
+              <a:gd name="connsiteY9" fmla="*/ 3794798 h 9113106"/>
+              <a:gd name="connsiteX10" fmla="*/ 6858000 w 6858000"/>
+              <a:gd name="connsiteY10" fmla="*/ 3794798 h 9113106"/>
+              <a:gd name="connsiteX11" fmla="*/ 6858000 w 6858000"/>
+              <a:gd name="connsiteY11" fmla="*/ 3837120 h 9113106"/>
+              <a:gd name="connsiteX12" fmla="*/ 6858000 w 6858000"/>
+              <a:gd name="connsiteY12" fmla="*/ 6838049 h 9113106"/>
+              <a:gd name="connsiteX13" fmla="*/ 6858000 w 6858000"/>
+              <a:gd name="connsiteY13" fmla="*/ 9113106 h 9113106"/>
+              <a:gd name="connsiteX14" fmla="*/ 1 w 6858000"/>
+              <a:gd name="connsiteY14" fmla="*/ 9113106 h 9113106"/>
+              <a:gd name="connsiteX15" fmla="*/ 1 w 6858000"/>
+              <a:gd name="connsiteY15" fmla="*/ 7143270 h 9113106"/>
+            </a:gdLst>
+            <a:ahLst/>
+            <a:cxnLst>
+              <a:cxn ang="0">
+                <a:pos x="connsiteX0" y="connsiteY0"/>
+              </a:cxn>
+              <a:cxn ang="0">
+                <a:pos x="connsiteX1" y="connsiteY1"/>
+              </a:cxn>
+              <a:cxn ang="0">
+                <a:pos x="connsiteX2" y="connsiteY2"/>
+              </a:cxn>
+              <a:cxn ang="0">
+                <a:pos x="connsiteX3" y="connsiteY3"/>
+              </a:cxn>
+              <a:cxn ang="0">
+                <a:pos x="connsiteX4" y="connsiteY4"/>
+              </a:cxn>
+              <a:cxn ang="0">
+                <a:pos x="connsiteX5" y="connsiteY5"/>
+              </a:cxn>
+              <a:cxn ang="0">
+                <a:pos x="connsiteX6" y="connsiteY6"/>
+              </a:cxn>
+              <a:cxn ang="0">
+                <a:pos x="connsiteX7" y="connsiteY7"/>
+              </a:cxn>
+              <a:cxn ang="0">
+                <a:pos x="connsiteX8" y="connsiteY8"/>
+              </a:cxn>
+              <a:cxn ang="0">
+                <a:pos x="connsiteX9" y="connsiteY9"/>
+              </a:cxn>
+              <a:cxn ang="0">
+                <a:pos x="connsiteX10" y="connsiteY10"/>
+              </a:cxn>
+              <a:cxn ang="0">
+                <a:pos x="connsiteX11" y="connsiteY11"/>
+              </a:cxn>
+              <a:cxn ang="0">
+                <a:pos x="connsiteX12" y="connsiteY12"/>
+              </a:cxn>
+              <a:cxn ang="0">
+                <a:pos x="connsiteX13" y="connsiteY13"/>
+              </a:cxn>
+              <a:cxn ang="0">
+                <a:pos x="connsiteX14" y="connsiteY14"/>
+              </a:cxn>
+              <a:cxn ang="0">
+                <a:pos x="connsiteX15" y="connsiteY15"/>
+              </a:cxn>
+            </a:cxnLst>
+            <a:rect l="l" t="t" r="r" b="b"/>
+            <a:pathLst>
+              <a:path w="6858000" h="9113106">
+                <a:moveTo>
+                  <a:pt x="0" y="7143270"/>
+                </a:moveTo>
+                <a:lnTo>
+                  <a:pt x="0" y="6878623"/>
+                </a:lnTo>
+                <a:lnTo>
+                  <a:pt x="1" y="6878623"/>
+                </a:lnTo>
+                <a:lnTo>
+                  <a:pt x="0" y="4319945"/>
+                </a:lnTo>
+                <a:lnTo>
+                  <a:pt x="1" y="4319945"/>
+                </a:lnTo>
+                <a:lnTo>
+                  <a:pt x="1" y="13542"/>
+                </a:lnTo>
+                <a:lnTo>
+                  <a:pt x="0" y="13540"/>
+                </a:lnTo>
+                <a:lnTo>
+                  <a:pt x="0" y="0"/>
+                </a:lnTo>
+                <a:lnTo>
+                  <a:pt x="6858000" y="6010591"/>
+                </a:lnTo>
+                <a:lnTo>
+                  <a:pt x="6858000" y="3794798"/>
+                </a:lnTo>
+                <a:lnTo>
+                  <a:pt x="6858000" y="3794798"/>
+                </a:lnTo>
+                <a:lnTo>
+                  <a:pt x="6858000" y="3837120"/>
+                </a:lnTo>
+                <a:lnTo>
+                  <a:pt x="6858000" y="6838049"/>
+                </a:lnTo>
+                <a:lnTo>
+                  <a:pt x="6858000" y="9113106"/>
+                </a:lnTo>
+                <a:lnTo>
+                  <a:pt x="1" y="9113106"/>
+                </a:lnTo>
+                <a:lnTo>
+                  <a:pt x="1" y="7143270"/>
+                </a:lnTo>
+                <a:close/>
+              </a:path>
+            </a:pathLst>
+          </a:custGeom>
+          <a:solidFill>
+            <a:schemeClr val="bg2"/>
+          </a:solidFill>
+          <a:ln>
+            <a:noFill/>
+          </a:ln>
+        </p:spPr>
+        <p:style>
+          <a:lnRef idx="2">
+            <a:schemeClr val="accent1">
+              <a:shade val="50000"/>
+            </a:schemeClr>
+          </a:lnRef>
+          <a:fillRef idx="1">
+            <a:schemeClr val="accent1"/>
+          </a:fillRef>
+          <a:effectRef idx="0">
+            <a:schemeClr val="accent1"/>
+          </a:effectRef>
+          <a:fontRef idx="minor">
+            <a:schemeClr val="lt1"/>
+          </a:fontRef>
+        </p:style>
+        <p:txBody>
+          <a:bodyPr wrap="square" rtlCol="0" anchor="ctr">
+            <a:noAutofit/>
+          </a:bodyPr>
+          <a:lstStyle/>
+          <a:p>
+            <a:pPr algn="ctr"/>
+            <a:endParaRPr lang="en-US"/>
+          </a:p>
+        </p:txBody>
+      </p:sp>
+      <p:sp>
+        <p:nvSpPr>
+          <p:cNvPr id="18" name="Freeform: Shape 17">
+            <a:extLst>
+              <a:ext uri="{FF2B5EF4-FFF2-40B4-BE49-F238E27FC236}">
+                <a16:creationId xmlns:a16="http://schemas.microsoft.com/office/drawing/2014/main" id="{76D563F6-B8F0-406F-A032-1E478CA25158}"/>
+              </a:ext>
+              <a:ext uri="{C183D7F6-B498-43B3-948B-1728B52AA6E4}">
+                <adec:decorative xmlns:adec="http://schemas.microsoft.com/office/drawing/2017/decorative" val="1"/>
+              </a:ext>
+            </a:extLst>
+          </p:cNvPr>
+          <p:cNvSpPr>
+            <a:spLocks noGrp="1" noRot="1" noChangeAspect="1" noMove="1" noResize="1" noEditPoints="1" noAdjustHandles="1" noChangeArrowheads="1" noChangeShapeType="1" noTextEdit="1"/>
+          </p:cNvSpPr>
+          <p:nvPr>
+            <p:extLst>
+              <p:ext uri="{386F3935-93C4-4BCD-93E2-E3B085C9AB24}">
+                <p16:designElem xmlns:p16="http://schemas.microsoft.com/office/powerpoint/2015/main" val="1"/>
+              </p:ext>
+            </p:extLst>
+          </p:nvPr>
+        </p:nvSpPr>
+        <p:spPr>
+          <a:xfrm>
+            <a:off x="2234482" y="-2"/>
+            <a:ext cx="9957519" cy="6858002"/>
+          </a:xfrm>
+          <a:custGeom>
+            <a:avLst/>
+            <a:gdLst>
+              <a:gd name="connsiteX0" fmla="*/ 6878624 w 9957519"/>
+              <a:gd name="connsiteY0" fmla="*/ 0 h 6858000"/>
+              <a:gd name="connsiteX1" fmla="*/ 9957519 w 9957519"/>
+              <a:gd name="connsiteY1" fmla="*/ 0 h 6858000"/>
+              <a:gd name="connsiteX2" fmla="*/ 9957519 w 9957519"/>
+              <a:gd name="connsiteY2" fmla="*/ 1557082 h 6858000"/>
+              <a:gd name="connsiteX3" fmla="*/ 9957518 w 9957519"/>
+              <a:gd name="connsiteY3" fmla="*/ 1557083 h 6858000"/>
+              <a:gd name="connsiteX4" fmla="*/ 9957518 w 9957519"/>
+              <a:gd name="connsiteY4" fmla="*/ 6858000 h 6858000"/>
+              <a:gd name="connsiteX5" fmla="*/ 8318421 w 9957519"/>
+              <a:gd name="connsiteY5" fmla="*/ 6858000 h 6858000"/>
+              <a:gd name="connsiteX6" fmla="*/ 6213394 w 9957519"/>
+              <a:gd name="connsiteY6" fmla="*/ 6858000 h 6858000"/>
+              <a:gd name="connsiteX7" fmla="*/ 5311608 w 9957519"/>
+              <a:gd name="connsiteY7" fmla="*/ 6858000 h 6858000"/>
+              <a:gd name="connsiteX8" fmla="*/ 4574297 w 9957519"/>
+              <a:gd name="connsiteY8" fmla="*/ 6858000 h 6858000"/>
+              <a:gd name="connsiteX9" fmla="*/ 868032 w 9957519"/>
+              <a:gd name="connsiteY9" fmla="*/ 6858000 h 6858000"/>
+              <a:gd name="connsiteX10" fmla="*/ 0 w 9957519"/>
+              <a:gd name="connsiteY10" fmla="*/ 0 h 6858000"/>
+              <a:gd name="connsiteX11" fmla="*/ 6878624 w 9957519"/>
+              <a:gd name="connsiteY11" fmla="*/ 0 h 6858000"/>
+              <a:gd name="connsiteX12" fmla="*/ 0 w 9957519"/>
+              <a:gd name="connsiteY12" fmla="*/ 1 h 6858000"/>
+            </a:gdLst>
+            <a:ahLst/>
+            <a:cxnLst>
+              <a:cxn ang="0">
+                <a:pos x="connsiteX0" y="connsiteY0"/>
+              </a:cxn>
+              <a:cxn ang="0">
+                <a:pos x="connsiteX1" y="connsiteY1"/>
+              </a:cxn>
+              <a:cxn ang="0">
+                <a:pos x="connsiteX2" y="connsiteY2"/>
+              </a:cxn>
+              <a:cxn ang="0">
+                <a:pos x="connsiteX3" y="connsiteY3"/>
+              </a:cxn>
+              <a:cxn ang="0">
+                <a:pos x="connsiteX4" y="connsiteY4"/>
+              </a:cxn>
+              <a:cxn ang="0">
+                <a:pos x="connsiteX5" y="connsiteY5"/>
+              </a:cxn>
+              <a:cxn ang="0">
+                <a:pos x="connsiteX6" y="connsiteY6"/>
+              </a:cxn>
+              <a:cxn ang="0">
+                <a:pos x="connsiteX7" y="connsiteY7"/>
+              </a:cxn>
+              <a:cxn ang="0">
+                <a:pos x="connsiteX8" y="connsiteY8"/>
+              </a:cxn>
+              <a:cxn ang="0">
+                <a:pos x="connsiteX9" y="connsiteY9"/>
+              </a:cxn>
+              <a:cxn ang="0">
+                <a:pos x="connsiteX10" y="connsiteY10"/>
+              </a:cxn>
+              <a:cxn ang="0">
+                <a:pos x="connsiteX11" y="connsiteY11"/>
+              </a:cxn>
+              <a:cxn ang="0">
+                <a:pos x="connsiteX12" y="connsiteY12"/>
+              </a:cxn>
+            </a:cxnLst>
+            <a:rect l="l" t="t" r="r" b="b"/>
+            <a:pathLst>
+              <a:path w="9957519" h="6858000">
+                <a:moveTo>
+                  <a:pt x="6878624" y="0"/>
+                </a:moveTo>
+                <a:lnTo>
+                  <a:pt x="9957519" y="0"/>
+                </a:lnTo>
+                <a:lnTo>
+                  <a:pt x="9957519" y="1557082"/>
+                </a:lnTo>
+                <a:lnTo>
+                  <a:pt x="9957518" y="1557083"/>
+                </a:lnTo>
+                <a:lnTo>
+                  <a:pt x="9957518" y="6858000"/>
+                </a:lnTo>
+                <a:lnTo>
+                  <a:pt x="8318421" y="6858000"/>
+                </a:lnTo>
+                <a:lnTo>
+                  <a:pt x="6213394" y="6858000"/>
+                </a:lnTo>
+                <a:lnTo>
+                  <a:pt x="5311608" y="6858000"/>
+                </a:lnTo>
+                <a:lnTo>
+                  <a:pt x="4574297" y="6858000"/>
+                </a:lnTo>
+                <a:lnTo>
+                  <a:pt x="868032" y="6858000"/>
+                </a:lnTo>
+                <a:close/>
+                <a:moveTo>
+                  <a:pt x="0" y="0"/>
+                </a:moveTo>
+                <a:lnTo>
+                  <a:pt x="6878624" y="0"/>
+                </a:lnTo>
+                <a:lnTo>
+                  <a:pt x="0" y="1"/>
+                </a:lnTo>
+                <a:close/>
+              </a:path>
+            </a:pathLst>
+          </a:custGeom>
+          <a:solidFill>
+            <a:srgbClr val="FFFFFF"/>
+          </a:solidFill>
+          <a:ln w="12700" cap="flat" cmpd="sng" algn="ctr">
+            <a:noFill/>
+            <a:prstDash val="solid"/>
+            <a:miter lim="800000"/>
+          </a:ln>
+          <a:effectLst/>
+        </p:spPr>
+        <p:style>
+          <a:lnRef idx="2">
+            <a:schemeClr val="accent1">
+              <a:shade val="50000"/>
+            </a:schemeClr>
+          </a:lnRef>
+          <a:fillRef idx="1">
+            <a:schemeClr val="accent1"/>
+          </a:fillRef>
+          <a:effectRef idx="0">
+            <a:schemeClr val="accent1"/>
+          </a:effectRef>
+          <a:fontRef idx="minor">
+            <a:schemeClr val="lt1"/>
+          </a:fontRef>
+        </p:style>
+        <p:txBody>
+          <a:bodyPr wrap="square" rtlCol="0" anchor="ctr">
+            <a:noAutofit/>
+          </a:bodyPr>
+          <a:lstStyle/>
+          <a:p>
+            <a:pPr algn="ctr"/>
+            <a:endParaRPr lang="en-US"/>
+          </a:p>
+        </p:txBody>
+      </p:sp>
+      <p:sp>
+        <p:nvSpPr>
+          <p:cNvPr id="2" name="Título 1">
+            <a:extLst>
+              <a:ext uri="{FF2B5EF4-FFF2-40B4-BE49-F238E27FC236}">
+                <a16:creationId xmlns:a16="http://schemas.microsoft.com/office/drawing/2014/main" id="{0806F89C-7682-D2ED-0672-1FDB7DD73C63}"/>
+              </a:ext>
+            </a:extLst>
+          </p:cNvPr>
+          <p:cNvSpPr>
+            <a:spLocks noGrp="1"/>
+          </p:cNvSpPr>
+          <p:nvPr>
+            <p:ph type="title"/>
+          </p:nvPr>
+        </p:nvSpPr>
+        <p:spPr>
+          <a:xfrm>
+            <a:off x="1143000" y="1181098"/>
+            <a:ext cx="4953000" cy="2713170"/>
+          </a:xfrm>
+        </p:spPr>
+        <p:txBody>
+          <a:bodyPr vert="horz" lIns="91440" tIns="45720" rIns="91440" bIns="45720" rtlCol="0" anchor="t">
+            <a:normAutofit/>
+          </a:bodyPr>
+          <a:lstStyle/>
+          <a:p>
+            <a:r>
+              <a:rPr lang="en-US" sz="3700" cap="all" spc="300"/>
+              <a:t>Observabilidad</a:t>
+            </a:r>
+          </a:p>
+        </p:txBody>
+      </p:sp>
+      <p:pic>
+        <p:nvPicPr>
+          <p:cNvPr id="5" name="Imagen 4">
+            <a:extLst>
+              <a:ext uri="{FF2B5EF4-FFF2-40B4-BE49-F238E27FC236}">
+                <a16:creationId xmlns:a16="http://schemas.microsoft.com/office/drawing/2014/main" id="{291EF121-65B4-AF24-53FB-8810E43A60DF}"/>
+              </a:ext>
+            </a:extLst>
+          </p:cNvPr>
+          <p:cNvPicPr>
+            <a:picLocks noChangeAspect="1"/>
+          </p:cNvPicPr>
+          <p:nvPr/>
+        </p:nvPicPr>
+        <p:blipFill>
+          <a:blip r:embed="rId2"/>
+          <a:stretch>
+            <a:fillRect/>
+          </a:stretch>
+        </p:blipFill>
+        <p:spPr>
+          <a:xfrm>
+            <a:off x="6767525" y="2943115"/>
+            <a:ext cx="4824601" cy="3208360"/>
+          </a:xfrm>
+          <a:prstGeom prst="rect">
+            <a:avLst/>
+          </a:prstGeom>
+        </p:spPr>
+      </p:pic>
+    </p:spTree>
+    <p:extLst>
+      <p:ext uri="{BB962C8B-B14F-4D97-AF65-F5344CB8AC3E}">
+        <p14:creationId xmlns:p14="http://schemas.microsoft.com/office/powerpoint/2010/main" val="3562431501"/>
+      </p:ext>
+    </p:extLst>
+  </p:cSld>
+  <p:clrMapOvr>
+    <a:masterClrMapping/>
+  </p:clrMapOvr>
+</p:sld>
+</file>
+
+<file path=ppt/slides/slide15.xml><?xml version="1.0" encoding="utf-8"?>
+<p:sld xmlns:a="http://schemas.openxmlformats.org/drawingml/2006/main" xmlns:r="http://schemas.openxmlformats.org/officeDocument/2006/relationships" xmlns:p="http://schemas.openxmlformats.org/presentationml/2006/main">
+  <p:cSld>
+    <p:spTree>
+      <p:nvGrpSpPr>
+        <p:cNvPr id="1" name=""/>
+        <p:cNvGrpSpPr/>
+        <p:nvPr/>
+      </p:nvGrpSpPr>
+      <p:grpSpPr>
+        <a:xfrm>
+          <a:off x="0" y="0"/>
+          <a:ext cx="0" cy="0"/>
+          <a:chOff x="0" y="0"/>
+          <a:chExt cx="0" cy="0"/>
+        </a:xfrm>
+      </p:grpSpPr>
+      <p:pic>
+        <p:nvPicPr>
+          <p:cNvPr id="5" name="Imagen 4">
+            <a:extLst>
+              <a:ext uri="{FF2B5EF4-FFF2-40B4-BE49-F238E27FC236}">
+                <a16:creationId xmlns:a16="http://schemas.microsoft.com/office/drawing/2014/main" id="{676D8DDE-1E45-4E6D-C497-635AB9ADD275}"/>
+              </a:ext>
+            </a:extLst>
+          </p:cNvPr>
+          <p:cNvPicPr>
+            <a:picLocks noChangeAspect="1"/>
+          </p:cNvPicPr>
+          <p:nvPr/>
+        </p:nvPicPr>
+        <p:blipFill>
+          <a:blip r:embed="rId2"/>
+          <a:stretch>
+            <a:fillRect/>
+          </a:stretch>
+        </p:blipFill>
+        <p:spPr>
+          <a:xfrm>
+            <a:off x="506508" y="1487648"/>
+            <a:ext cx="5197290" cy="3673158"/>
+          </a:xfrm>
+          <a:prstGeom prst="rect">
+            <a:avLst/>
+          </a:prstGeom>
+        </p:spPr>
+      </p:pic>
+      <p:pic>
+        <p:nvPicPr>
+          <p:cNvPr id="7" name="Imagen 6">
+            <a:extLst>
+              <a:ext uri="{FF2B5EF4-FFF2-40B4-BE49-F238E27FC236}">
+                <a16:creationId xmlns:a16="http://schemas.microsoft.com/office/drawing/2014/main" id="{6A0A3A9A-7F0D-EB17-BA1D-0285F63DF883}"/>
+              </a:ext>
+            </a:extLst>
+          </p:cNvPr>
+          <p:cNvPicPr>
+            <a:picLocks noChangeAspect="1"/>
+          </p:cNvPicPr>
+          <p:nvPr/>
+        </p:nvPicPr>
+        <p:blipFill>
+          <a:blip r:embed="rId3"/>
+          <a:stretch>
+            <a:fillRect/>
+          </a:stretch>
+        </p:blipFill>
+        <p:spPr>
+          <a:xfrm>
+            <a:off x="6240553" y="1468596"/>
+            <a:ext cx="5235394" cy="3711262"/>
+          </a:xfrm>
+          <a:prstGeom prst="rect">
+            <a:avLst/>
+          </a:prstGeom>
+        </p:spPr>
+      </p:pic>
+    </p:spTree>
+    <p:extLst>
+      <p:ext uri="{BB962C8B-B14F-4D97-AF65-F5344CB8AC3E}">
+        <p14:creationId xmlns:p14="http://schemas.microsoft.com/office/powerpoint/2010/main" val="4111829001"/>
+      </p:ext>
+    </p:extLst>
+  </p:cSld>
+  <p:clrMapOvr>
+    <a:masterClrMapping/>
+  </p:clrMapOvr>
+</p:sld>
+</file>
+
+<file path=ppt/slides/slide16.xml><?xml version="1.0" encoding="utf-8"?>
+<p:sld xmlns:a="http://schemas.openxmlformats.org/drawingml/2006/main" xmlns:r="http://schemas.openxmlformats.org/officeDocument/2006/relationships" xmlns:p="http://schemas.openxmlformats.org/presentationml/2006/main">
+  <p:cSld>
+    <p:spTree>
+      <p:nvGrpSpPr>
+        <p:cNvPr id="1" name=""/>
+        <p:cNvGrpSpPr/>
+        <p:nvPr/>
+      </p:nvGrpSpPr>
+      <p:grpSpPr>
+        <a:xfrm>
+          <a:off x="0" y="0"/>
+          <a:ext cx="0" cy="0"/>
+          <a:chOff x="0" y="0"/>
+          <a:chExt cx="0" cy="0"/>
+        </a:xfrm>
+      </p:grpSpPr>
+      <p:sp>
+        <p:nvSpPr>
+          <p:cNvPr id="2" name="Título 1">
+            <a:extLst>
+              <a:ext uri="{FF2B5EF4-FFF2-40B4-BE49-F238E27FC236}">
+                <a16:creationId xmlns:a16="http://schemas.microsoft.com/office/drawing/2014/main" id="{F38A423C-FF48-6F9E-2456-1DC585D2AAA0}"/>
+              </a:ext>
+            </a:extLst>
+          </p:cNvPr>
+          <p:cNvSpPr>
+            <a:spLocks noGrp="1"/>
+          </p:cNvSpPr>
+          <p:nvPr>
+            <p:ph type="title"/>
+          </p:nvPr>
+        </p:nvSpPr>
+        <p:spPr/>
+        <p:txBody>
+          <a:bodyPr/>
+          <a:lstStyle/>
+          <a:p>
+            <a:r>
+              <a:rPr lang="es-ES" dirty="0"/>
+              <a:t>Conclusiones</a:t>
+            </a:r>
+            <a:endParaRPr lang="es-MX" dirty="0"/>
+          </a:p>
+        </p:txBody>
+      </p:sp>
+      <p:sp>
+        <p:nvSpPr>
+          <p:cNvPr id="3" name="Marcador de contenido 2">
+            <a:extLst>
+              <a:ext uri="{FF2B5EF4-FFF2-40B4-BE49-F238E27FC236}">
+                <a16:creationId xmlns:a16="http://schemas.microsoft.com/office/drawing/2014/main" id="{110BA74B-5419-BB14-E6A1-8912F6157E7A}"/>
+              </a:ext>
+            </a:extLst>
+          </p:cNvPr>
+          <p:cNvSpPr>
+            <a:spLocks noGrp="1"/>
+          </p:cNvSpPr>
+          <p:nvPr>
+            <p:ph idx="1"/>
+          </p:nvPr>
+        </p:nvSpPr>
+        <p:spPr/>
+        <p:txBody>
+          <a:bodyPr/>
+          <a:lstStyle/>
+          <a:p>
+            <a:endParaRPr lang="es-MX"/>
+          </a:p>
+        </p:txBody>
+      </p:sp>
+    </p:spTree>
+    <p:extLst>
+      <p:ext uri="{BB962C8B-B14F-4D97-AF65-F5344CB8AC3E}">
+        <p14:creationId xmlns:p14="http://schemas.microsoft.com/office/powerpoint/2010/main" val="3015547281"/>
+      </p:ext>
+    </p:extLst>
+  </p:cSld>
+  <p:clrMapOvr>
+    <a:masterClrMapping/>
+  </p:clrMapOvr>
+</p:sld>
+</file>
+
 <file path=ppt/slides/slide2.xml><?xml version="1.0" encoding="utf-8"?>
 <p:sld xmlns:a="http://schemas.openxmlformats.org/drawingml/2006/main" xmlns:r="http://schemas.openxmlformats.org/officeDocument/2006/relationships" xmlns:p="http://schemas.openxmlformats.org/presentationml/2006/main">
   <p:cSld>
@@ -5977,24 +7925,24 @@
         </p:nvSpPr>
         <p:spPr>
           <a:xfrm>
-            <a:off x="1143000" y="1181098"/>
-            <a:ext cx="4953000" cy="2713170"/>
+            <a:off x="765110" y="1181098"/>
+            <a:ext cx="5330890" cy="899627"/>
           </a:xfrm>
         </p:spPr>
         <p:txBody>
           <a:bodyPr vert="horz" lIns="91440" tIns="45720" rIns="91440" bIns="45720" rtlCol="0" anchor="t">
-            <a:normAutofit/>
+            <a:normAutofit fontScale="90000"/>
           </a:bodyPr>
           <a:lstStyle/>
           <a:p>
             <a:r>
-              <a:rPr lang="en-US" sz="4800" cap="all" spc="300"/>
+              <a:rPr lang="en-US" sz="4800" cap="all" spc="300" dirty="0"/>
               <a:t>Autovalores</a:t>
             </a:r>
             <a:br>
-              <a:rPr lang="en-US" sz="4800" cap="all" spc="300"/>
+              <a:rPr lang="en-US" sz="4800" cap="all" spc="300" dirty="0"/>
             </a:br>
-            <a:endParaRPr lang="en-US" sz="4800" cap="all" spc="300"/>
+            <a:endParaRPr lang="en-US" sz="4800" cap="all" spc="300" dirty="0"/>
           </a:p>
         </p:txBody>
       </p:sp>
@@ -6622,12 +8570,48 @@
           <a:chExt cx="0" cy="0"/>
         </a:xfrm>
       </p:grpSpPr>
+      <p:sp>
+        <p:nvSpPr>
+          <p:cNvPr id="8" name="Título 1">
+            <a:extLst>
+              <a:ext uri="{FF2B5EF4-FFF2-40B4-BE49-F238E27FC236}">
+                <a16:creationId xmlns:a16="http://schemas.microsoft.com/office/drawing/2014/main" id="{807C08C9-6E3A-7A8E-E4AC-6AAFCE4DB53C}"/>
+              </a:ext>
+            </a:extLst>
+          </p:cNvPr>
+          <p:cNvSpPr>
+            <a:spLocks noGrp="1"/>
+          </p:cNvSpPr>
+          <p:nvPr>
+            <p:ph type="title"/>
+          </p:nvPr>
+        </p:nvSpPr>
+        <p:spPr>
+          <a:xfrm>
+            <a:off x="2171701" y="-146238"/>
+            <a:ext cx="5920740" cy="1360898"/>
+          </a:xfrm>
+        </p:spPr>
+        <p:txBody>
+          <a:bodyPr>
+            <a:normAutofit/>
+          </a:bodyPr>
+          <a:lstStyle/>
+          <a:p>
+            <a:r>
+              <a:rPr lang="es-ES" dirty="0"/>
+              <a:t>POLOS</a:t>
+            </a:r>
+            <a:endParaRPr lang="es-MX" dirty="0"/>
+          </a:p>
+        </p:txBody>
+      </p:sp>
       <p:pic>
         <p:nvPicPr>
-          <p:cNvPr id="5" name="Imagen 4">
-            <a:extLst>
-              <a:ext uri="{FF2B5EF4-FFF2-40B4-BE49-F238E27FC236}">
-                <a16:creationId xmlns:a16="http://schemas.microsoft.com/office/drawing/2014/main" id="{00362E77-66CA-C67E-05F2-037400898F95}"/>
+          <p:cNvPr id="3" name="Imagen 2">
+            <a:extLst>
+              <a:ext uri="{FF2B5EF4-FFF2-40B4-BE49-F238E27FC236}">
+                <a16:creationId xmlns:a16="http://schemas.microsoft.com/office/drawing/2014/main" id="{8460BF0A-C771-7C22-67CB-16A61F22F8A2}"/>
               </a:ext>
             </a:extLst>
           </p:cNvPr>
@@ -6644,8 +8628,8 @@
         </p:blipFill>
         <p:spPr>
           <a:xfrm>
-            <a:off x="1305544" y="2948474"/>
-            <a:ext cx="3981493" cy="1809768"/>
+            <a:off x="8092441" y="947222"/>
+            <a:ext cx="2308908" cy="1581444"/>
           </a:xfrm>
           <a:prstGeom prst="rect">
             <a:avLst/>
@@ -6654,10 +8638,10 @@
       </p:pic>
       <p:pic>
         <p:nvPicPr>
-          <p:cNvPr id="7" name="Imagen 6">
-            <a:extLst>
-              <a:ext uri="{FF2B5EF4-FFF2-40B4-BE49-F238E27FC236}">
-                <a16:creationId xmlns:a16="http://schemas.microsoft.com/office/drawing/2014/main" id="{32FCB43E-14C5-AC2E-E272-129787EF6896}"/>
+          <p:cNvPr id="6" name="Imagen 5">
+            <a:extLst>
+              <a:ext uri="{FF2B5EF4-FFF2-40B4-BE49-F238E27FC236}">
+                <a16:creationId xmlns:a16="http://schemas.microsoft.com/office/drawing/2014/main" id="{78C979F5-2BCF-FFEA-E6A2-937ACC7EC766}"/>
               </a:ext>
             </a:extLst>
           </p:cNvPr>
@@ -6674,50 +8658,44 @@
         </p:blipFill>
         <p:spPr>
           <a:xfrm>
-            <a:off x="6356731" y="3077765"/>
-            <a:ext cx="2602365" cy="1830733"/>
+            <a:off x="763977" y="966526"/>
+            <a:ext cx="6316837" cy="1562140"/>
           </a:xfrm>
           <a:prstGeom prst="rect">
             <a:avLst/>
           </a:prstGeom>
         </p:spPr>
       </p:pic>
-      <p:sp>
-        <p:nvSpPr>
-          <p:cNvPr id="8" name="Título 1">
-            <a:extLst>
-              <a:ext uri="{FF2B5EF4-FFF2-40B4-BE49-F238E27FC236}">
-                <a16:creationId xmlns:a16="http://schemas.microsoft.com/office/drawing/2014/main" id="{807C08C9-6E3A-7A8E-E4AC-6AAFCE4DB53C}"/>
-              </a:ext>
-            </a:extLst>
-          </p:cNvPr>
-          <p:cNvSpPr>
-            <a:spLocks noGrp="1"/>
-          </p:cNvSpPr>
-          <p:nvPr>
-            <p:ph type="title"/>
-          </p:nvPr>
-        </p:nvSpPr>
+      <p:pic>
+        <p:nvPicPr>
+          <p:cNvPr id="10" name="Imagen 9">
+            <a:extLst>
+              <a:ext uri="{FF2B5EF4-FFF2-40B4-BE49-F238E27FC236}">
+                <a16:creationId xmlns:a16="http://schemas.microsoft.com/office/drawing/2014/main" id="{41F2AF3E-2974-1AC0-F6E4-0CB132308C52}"/>
+              </a:ext>
+            </a:extLst>
+          </p:cNvPr>
+          <p:cNvPicPr>
+            <a:picLocks noChangeAspect="1"/>
+          </p:cNvPicPr>
+          <p:nvPr/>
+        </p:nvPicPr>
+        <p:blipFill>
+          <a:blip r:embed="rId4"/>
+          <a:stretch>
+            <a:fillRect/>
+          </a:stretch>
+        </p:blipFill>
         <p:spPr>
           <a:xfrm>
-            <a:off x="1143001" y="872937"/>
-            <a:ext cx="5920740" cy="1360898"/>
+            <a:off x="1696981" y="2713659"/>
+            <a:ext cx="8626588" cy="3177815"/>
           </a:xfrm>
+          <a:prstGeom prst="rect">
+            <a:avLst/>
+          </a:prstGeom>
         </p:spPr>
-        <p:txBody>
-          <a:bodyPr>
-            <a:normAutofit/>
-          </a:bodyPr>
-          <a:lstStyle/>
-          <a:p>
-            <a:r>
-              <a:rPr lang="es-ES" dirty="0"/>
-              <a:t>POLOS</a:t>
-            </a:r>
-            <a:endParaRPr lang="es-MX" dirty="0"/>
-          </a:p>
-        </p:txBody>
-      </p:sp>
+      </p:pic>
     </p:spTree>
     <p:extLst>
       <p:ext uri="{BB962C8B-B14F-4D97-AF65-F5344CB8AC3E}">
@@ -6750,10 +8728,10 @@
       </p:grpSpPr>
       <p:pic>
         <p:nvPicPr>
-          <p:cNvPr id="3" name="Imagen 2">
-            <a:extLst>
-              <a:ext uri="{FF2B5EF4-FFF2-40B4-BE49-F238E27FC236}">
-                <a16:creationId xmlns:a16="http://schemas.microsoft.com/office/drawing/2014/main" id="{C3EA1F00-2954-3CC3-9E2F-AF131E86A907}"/>
+          <p:cNvPr id="5" name="Imagen 4">
+            <a:extLst>
+              <a:ext uri="{FF2B5EF4-FFF2-40B4-BE49-F238E27FC236}">
+                <a16:creationId xmlns:a16="http://schemas.microsoft.com/office/drawing/2014/main" id="{3B7D9389-A830-9E6F-BDA8-2603F40E8A67}"/>
               </a:ext>
             </a:extLst>
           </p:cNvPr>
@@ -6770,8 +8748,8 @@
         </p:blipFill>
         <p:spPr>
           <a:xfrm>
-            <a:off x="2152651" y="262592"/>
-            <a:ext cx="7324724" cy="5761970"/>
+            <a:off x="0" y="583562"/>
+            <a:ext cx="12192000" cy="5690876"/>
           </a:xfrm>
           <a:prstGeom prst="rect">
             <a:avLst/>
@@ -6781,7 +8759,7 @@
     </p:spTree>
     <p:extLst>
       <p:ext uri="{BB962C8B-B14F-4D97-AF65-F5344CB8AC3E}">
-        <p14:creationId xmlns:p14="http://schemas.microsoft.com/office/powerpoint/2010/main" val="3838669698"/>
+        <p14:creationId xmlns:p14="http://schemas.microsoft.com/office/powerpoint/2010/main" val="1471680054"/>
       </p:ext>
     </p:extLst>
   </p:cSld>
@@ -6794,14 +8772,6 @@
 <file path=ppt/slides/slide9.xml><?xml version="1.0" encoding="utf-8"?>
 <p:sld xmlns:a="http://schemas.openxmlformats.org/drawingml/2006/main" xmlns:r="http://schemas.openxmlformats.org/officeDocument/2006/relationships" xmlns:p="http://schemas.openxmlformats.org/presentationml/2006/main">
   <p:cSld>
-    <p:bg>
-      <p:bgPr>
-        <a:solidFill>
-          <a:schemeClr val="bg1"/>
-        </a:solidFill>
-        <a:effectLst/>
-      </p:bgPr>
-    </p:bg>
     <p:spTree>
       <p:nvGrpSpPr>
         <p:cNvPr id="1" name=""/>
@@ -6816,88 +8786,46 @@
           <a:chExt cx="0" cy="0"/>
         </a:xfrm>
       </p:grpSpPr>
-      <p:sp useBgFill="1">
-        <p:nvSpPr>
-          <p:cNvPr id="10" name="Rectangle 9">
-            <a:extLst>
-              <a:ext uri="{FF2B5EF4-FFF2-40B4-BE49-F238E27FC236}">
-                <a16:creationId xmlns:a16="http://schemas.microsoft.com/office/drawing/2014/main" id="{FD57F13B-6973-4CE9-92F3-5EC476ED97B5}"/>
-              </a:ext>
-              <a:ext uri="{C183D7F6-B498-43B3-948B-1728B52AA6E4}">
-                <adec:decorative xmlns:adec="http://schemas.microsoft.com/office/drawing/2017/decorative" val="1"/>
-              </a:ext>
-            </a:extLst>
-          </p:cNvPr>
-          <p:cNvSpPr>
-            <a:spLocks noGrp="1" noRot="1" noChangeAspect="1" noMove="1" noResize="1" noEditPoints="1" noAdjustHandles="1" noChangeArrowheads="1" noChangeShapeType="1" noTextEdit="1"/>
-          </p:cNvSpPr>
-          <p:nvPr>
-            <p:extLst>
-              <p:ext uri="{386F3935-93C4-4BCD-93E2-E3B085C9AB24}">
-                <p16:designElem xmlns:p16="http://schemas.microsoft.com/office/powerpoint/2015/main" val="1"/>
-              </p:ext>
-            </p:extLst>
+      <p:sp>
+        <p:nvSpPr>
+          <p:cNvPr id="2" name="Título 1">
+            <a:extLst>
+              <a:ext uri="{FF2B5EF4-FFF2-40B4-BE49-F238E27FC236}">
+                <a16:creationId xmlns:a16="http://schemas.microsoft.com/office/drawing/2014/main" id="{6D147CC6-02A4-1D6B-72D2-78FE8FEE5A27}"/>
+              </a:ext>
+            </a:extLst>
+          </p:cNvPr>
+          <p:cNvSpPr>
+            <a:spLocks noGrp="1"/>
+          </p:cNvSpPr>
+          <p:nvPr>
+            <p:ph type="title"/>
           </p:nvPr>
         </p:nvSpPr>
         <p:spPr>
           <a:xfrm>
-            <a:off x="0" y="0"/>
-            <a:ext cx="12192000" cy="6858000"/>
+            <a:off x="2266950" y="-3365"/>
+            <a:ext cx="1666875" cy="1036410"/>
           </a:xfrm>
-          <a:prstGeom prst="rect">
-            <a:avLst/>
-          </a:prstGeom>
-          <a:ln w="12700" cap="flat" cmpd="sng" algn="ctr">
-            <a:noFill/>
-            <a:prstDash val="solid"/>
-            <a:miter lim="800000"/>
-          </a:ln>
-          <a:effectLst/>
-          <a:extLst>
-            <a:ext uri="{91240B29-F687-4F45-9708-019B960494DF}">
-              <a14:hiddenLine xmlns:a14="http://schemas.microsoft.com/office/drawing/2010/main" w="12700" cap="flat" cmpd="sng" algn="ctr">
-                <a:solidFill>
-                  <a:schemeClr val="accent1">
-                    <a:shade val="50000"/>
-                  </a:schemeClr>
-                </a:solidFill>
-                <a:prstDash val="solid"/>
-                <a:miter lim="800000"/>
-              </a14:hiddenLine>
-            </a:ext>
-          </a:extLst>
         </p:spPr>
-        <p:style>
-          <a:lnRef idx="2">
-            <a:schemeClr val="accent1">
-              <a:shade val="50000"/>
-            </a:schemeClr>
-          </a:lnRef>
-          <a:fillRef idx="1">
-            <a:schemeClr val="accent1"/>
-          </a:fillRef>
-          <a:effectRef idx="0">
-            <a:schemeClr val="accent1"/>
-          </a:effectRef>
-          <a:fontRef idx="minor">
-            <a:schemeClr val="lt1"/>
-          </a:fontRef>
-        </p:style>
-        <p:txBody>
-          <a:bodyPr rtlCol="0" anchor="ctr"/>
+        <p:txBody>
+          <a:bodyPr/>
           <a:lstStyle/>
           <a:p>
-            <a:pPr algn="ctr"/>
-            <a:endParaRPr lang="en-US"/>
+            <a:r>
+              <a:rPr lang="es-ES" dirty="0"/>
+              <a:t>LQR</a:t>
+            </a:r>
+            <a:endParaRPr lang="es-MX" dirty="0"/>
           </a:p>
         </p:txBody>
       </p:sp>
       <p:pic>
         <p:nvPicPr>
-          <p:cNvPr id="4" name="Imagen 3">
-            <a:extLst>
-              <a:ext uri="{FF2B5EF4-FFF2-40B4-BE49-F238E27FC236}">
-                <a16:creationId xmlns:a16="http://schemas.microsoft.com/office/drawing/2014/main" id="{8AC32C29-BCDC-6021-1460-25631665161F}"/>
+          <p:cNvPr id="5" name="Imagen 4">
+            <a:extLst>
+              <a:ext uri="{FF2B5EF4-FFF2-40B4-BE49-F238E27FC236}">
+                <a16:creationId xmlns:a16="http://schemas.microsoft.com/office/drawing/2014/main" id="{64ECFD3F-84BF-E347-11F3-ED85A51E9BD1}"/>
               </a:ext>
             </a:extLst>
           </p:cNvPr>
@@ -6914,8 +8842,38 @@
         </p:blipFill>
         <p:spPr>
           <a:xfrm>
-            <a:off x="923726" y="1190625"/>
-            <a:ext cx="10547197" cy="4743450"/>
+            <a:off x="1552575" y="1033045"/>
+            <a:ext cx="3505504" cy="1036410"/>
+          </a:xfrm>
+          <a:prstGeom prst="rect">
+            <a:avLst/>
+          </a:prstGeom>
+        </p:spPr>
+      </p:pic>
+      <p:pic>
+        <p:nvPicPr>
+          <p:cNvPr id="7" name="Imagen 6">
+            <a:extLst>
+              <a:ext uri="{FF2B5EF4-FFF2-40B4-BE49-F238E27FC236}">
+                <a16:creationId xmlns:a16="http://schemas.microsoft.com/office/drawing/2014/main" id="{BCCA3A1D-1DE9-924D-DAE5-CFFDC0EB106B}"/>
+              </a:ext>
+            </a:extLst>
+          </p:cNvPr>
+          <p:cNvPicPr>
+            <a:picLocks noChangeAspect="1"/>
+          </p:cNvPicPr>
+          <p:nvPr/>
+        </p:nvPicPr>
+        <p:blipFill>
+          <a:blip r:embed="rId3"/>
+          <a:stretch>
+            <a:fillRect/>
+          </a:stretch>
+        </p:blipFill>
+        <p:spPr>
+          <a:xfrm>
+            <a:off x="2739107" y="2310619"/>
+            <a:ext cx="6523285" cy="3360711"/>
           </a:xfrm>
           <a:prstGeom prst="rect">
             <a:avLst/>
@@ -6925,7 +8883,7 @@
     </p:spTree>
     <p:extLst>
       <p:ext uri="{BB962C8B-B14F-4D97-AF65-F5344CB8AC3E}">
-        <p14:creationId xmlns:p14="http://schemas.microsoft.com/office/powerpoint/2010/main" val="983091637"/>
+        <p14:creationId xmlns:p14="http://schemas.microsoft.com/office/powerpoint/2010/main" val="3698781348"/>
       </p:ext>
     </p:extLst>
   </p:cSld>
